--- a/Tutorial 2/CS1010_TutC09_2.pptx
+++ b/Tutorial 2/CS1010_TutC09_2.pptx
@@ -12,25 +12,25 @@
     <p:sldId id="260" r:id="rId3"/>
     <p:sldId id="297" r:id="rId4"/>
     <p:sldId id="295" r:id="rId5"/>
-    <p:sldId id="292" r:id="rId6"/>
-    <p:sldId id="293" r:id="rId7"/>
-    <p:sldId id="298" r:id="rId8"/>
-    <p:sldId id="296" r:id="rId9"/>
-    <p:sldId id="299" r:id="rId10"/>
-    <p:sldId id="303" r:id="rId11"/>
-    <p:sldId id="267" r:id="rId12"/>
-    <p:sldId id="300" r:id="rId13"/>
-    <p:sldId id="301" r:id="rId14"/>
-    <p:sldId id="302" r:id="rId15"/>
-    <p:sldId id="304" r:id="rId16"/>
-    <p:sldId id="314" r:id="rId17"/>
-    <p:sldId id="305" r:id="rId18"/>
-    <p:sldId id="306" r:id="rId19"/>
-    <p:sldId id="307" r:id="rId20"/>
-    <p:sldId id="308" r:id="rId21"/>
-    <p:sldId id="309" r:id="rId22"/>
-    <p:sldId id="310" r:id="rId23"/>
-    <p:sldId id="311" r:id="rId24"/>
+    <p:sldId id="293" r:id="rId6"/>
+    <p:sldId id="298" r:id="rId7"/>
+    <p:sldId id="296" r:id="rId8"/>
+    <p:sldId id="299" r:id="rId9"/>
+    <p:sldId id="303" r:id="rId10"/>
+    <p:sldId id="267" r:id="rId11"/>
+    <p:sldId id="300" r:id="rId12"/>
+    <p:sldId id="301" r:id="rId13"/>
+    <p:sldId id="302" r:id="rId14"/>
+    <p:sldId id="304" r:id="rId15"/>
+    <p:sldId id="314" r:id="rId16"/>
+    <p:sldId id="305" r:id="rId17"/>
+    <p:sldId id="306" r:id="rId18"/>
+    <p:sldId id="307" r:id="rId19"/>
+    <p:sldId id="308" r:id="rId20"/>
+    <p:sldId id="309" r:id="rId21"/>
+    <p:sldId id="310" r:id="rId22"/>
+    <p:sldId id="311" r:id="rId23"/>
+    <p:sldId id="324" r:id="rId24"/>
     <p:sldId id="312" r:id="rId25"/>
     <p:sldId id="315" r:id="rId26"/>
     <p:sldId id="316" r:id="rId27"/>
@@ -230,7 +230,7 @@
           <a:p>
             <a:fld id="{9CBF1339-9A09-4147-A280-CE820B321722}" type="datetimeFigureOut">
               <a:rPr lang="en-SG" smtClean="0"/>
-              <a:t>2/9/2018</a:t>
+              <a:t>3/9/2018</a:t>
             </a:fld>
             <a:endParaRPr lang="en-SG"/>
           </a:p>
@@ -1589,7 +1589,7 @@
     </p:spTree>
     <p:extLst>
       <p:ext uri="{BB962C8B-B14F-4D97-AF65-F5344CB8AC3E}">
-        <p14:creationId xmlns:p14="http://schemas.microsoft.com/office/powerpoint/2010/main" val="1284379691"/>
+        <p14:creationId xmlns:p14="http://schemas.microsoft.com/office/powerpoint/2010/main" val="1599749083"/>
       </p:ext>
     </p:extLst>
   </p:cSld>
@@ -1664,7 +1664,7 @@
           <a:p>
             <a:fld id="{A0063B6A-274F-43F4-941C-D03F0DF53188}" type="slidenum">
               <a:rPr lang="en-SG" smtClean="0"/>
-              <a:t>6</a:t>
+              <a:t>9</a:t>
             </a:fld>
             <a:endParaRPr lang="en-SG"/>
           </a:p>
@@ -1673,7 +1673,7 @@
     </p:spTree>
     <p:extLst>
       <p:ext uri="{BB962C8B-B14F-4D97-AF65-F5344CB8AC3E}">
-        <p14:creationId xmlns:p14="http://schemas.microsoft.com/office/powerpoint/2010/main" val="1599749083"/>
+        <p14:creationId xmlns:p14="http://schemas.microsoft.com/office/powerpoint/2010/main" val="3551067014"/>
       </p:ext>
     </p:extLst>
   </p:cSld>
@@ -1748,7 +1748,7 @@
           <a:p>
             <a:fld id="{A0063B6A-274F-43F4-941C-D03F0DF53188}" type="slidenum">
               <a:rPr lang="en-SG" smtClean="0"/>
-              <a:t>10</a:t>
+              <a:t>14</a:t>
             </a:fld>
             <a:endParaRPr lang="en-SG"/>
           </a:p>
@@ -1757,7 +1757,7 @@
     </p:spTree>
     <p:extLst>
       <p:ext uri="{BB962C8B-B14F-4D97-AF65-F5344CB8AC3E}">
-        <p14:creationId xmlns:p14="http://schemas.microsoft.com/office/powerpoint/2010/main" val="3551067014"/>
+        <p14:creationId xmlns:p14="http://schemas.microsoft.com/office/powerpoint/2010/main" val="3012668294"/>
       </p:ext>
     </p:extLst>
   </p:cSld>
@@ -1832,7 +1832,7 @@
           <a:p>
             <a:fld id="{A0063B6A-274F-43F4-941C-D03F0DF53188}" type="slidenum">
               <a:rPr lang="en-SG" smtClean="0"/>
-              <a:t>15</a:t>
+              <a:t>18</a:t>
             </a:fld>
             <a:endParaRPr lang="en-SG"/>
           </a:p>
@@ -1841,7 +1841,7 @@
     </p:spTree>
     <p:extLst>
       <p:ext uri="{BB962C8B-B14F-4D97-AF65-F5344CB8AC3E}">
-        <p14:creationId xmlns:p14="http://schemas.microsoft.com/office/powerpoint/2010/main" val="3012668294"/>
+        <p14:creationId xmlns:p14="http://schemas.microsoft.com/office/powerpoint/2010/main" val="1409740476"/>
       </p:ext>
     </p:extLst>
   </p:cSld>
@@ -1925,7 +1925,7 @@
     </p:spTree>
     <p:extLst>
       <p:ext uri="{BB962C8B-B14F-4D97-AF65-F5344CB8AC3E}">
-        <p14:creationId xmlns:p14="http://schemas.microsoft.com/office/powerpoint/2010/main" val="1409740476"/>
+        <p14:creationId xmlns:p14="http://schemas.microsoft.com/office/powerpoint/2010/main" val="3350917093"/>
       </p:ext>
     </p:extLst>
   </p:cSld>
@@ -1979,6 +1979,10 @@
           <a:bodyPr/>
           <a:lstStyle/>
           <a:p>
+            <a:r>
+              <a:rPr lang="en-US" dirty="0"/>
+              <a:t>Since double can hold any int value within its range, assigning int to double does not incur any information loss. The other way, however, would cause the value to be truncated.</a:t>
+            </a:r>
             <a:endParaRPr lang="en-SG" dirty="0"/>
           </a:p>
         </p:txBody>
@@ -2009,7 +2013,7 @@
     </p:spTree>
     <p:extLst>
       <p:ext uri="{BB962C8B-B14F-4D97-AF65-F5344CB8AC3E}">
-        <p14:creationId xmlns:p14="http://schemas.microsoft.com/office/powerpoint/2010/main" val="3350917093"/>
+        <p14:creationId xmlns:p14="http://schemas.microsoft.com/office/powerpoint/2010/main" val="2900009661"/>
       </p:ext>
     </p:extLst>
   </p:cSld>
@@ -2063,10 +2067,6 @@
           <a:bodyPr/>
           <a:lstStyle/>
           <a:p>
-            <a:r>
-              <a:rPr lang="en-US" dirty="0"/>
-              <a:t>Since double can hold any int value within its range, assigning int to double does not incur any information loss. The other way, however, would cause the value to be truncated.</a:t>
-            </a:r>
             <a:endParaRPr lang="en-SG" dirty="0"/>
           </a:p>
         </p:txBody>
@@ -2088,7 +2088,7 @@
           <a:p>
             <a:fld id="{A0063B6A-274F-43F4-941C-D03F0DF53188}" type="slidenum">
               <a:rPr lang="en-SG" smtClean="0"/>
-              <a:t>21</a:t>
+              <a:t>23</a:t>
             </a:fld>
             <a:endParaRPr lang="en-SG"/>
           </a:p>
@@ -2097,7 +2097,7 @@
     </p:spTree>
     <p:extLst>
       <p:ext uri="{BB962C8B-B14F-4D97-AF65-F5344CB8AC3E}">
-        <p14:creationId xmlns:p14="http://schemas.microsoft.com/office/powerpoint/2010/main" val="2900009661"/>
+        <p14:creationId xmlns:p14="http://schemas.microsoft.com/office/powerpoint/2010/main" val="1159071949"/>
       </p:ext>
     </p:extLst>
   </p:cSld>
@@ -2277,7 +2277,7 @@
             <a:fld id="{08B9EBBA-996F-894A-B54A-D6246ED52CEA}" type="datetimeFigureOut">
               <a:rPr lang="en-US" smtClean="0"/>
               <a:pPr/>
-              <a:t>9/2/2018</a:t>
+              <a:t>9/3/2018</a:t>
             </a:fld>
             <a:endParaRPr lang="en-US" dirty="0"/>
           </a:p>
@@ -2609,7 +2609,7 @@
             <a:fld id="{C6C52C72-DE31-F449-A4ED-4C594FD91407}" type="datetimeFigureOut">
               <a:rPr lang="en-US" smtClean="0"/>
               <a:pPr/>
-              <a:t>9/2/2018</a:t>
+              <a:t>9/3/2018</a:t>
             </a:fld>
             <a:endParaRPr lang="en-US" dirty="0"/>
           </a:p>
@@ -2791,7 +2791,7 @@
             <a:fld id="{ED62726E-379B-B349-9EED-81ED093FA806}" type="datetimeFigureOut">
               <a:rPr lang="en-US" smtClean="0"/>
               <a:pPr/>
-              <a:t>9/2/2018</a:t>
+              <a:t>9/3/2018</a:t>
             </a:fld>
             <a:endParaRPr lang="en-US" dirty="0"/>
           </a:p>
@@ -2962,7 +2962,7 @@
             <a:fld id="{9B3A1323-8D79-1946-B0D7-40001CF92E9D}" type="datetimeFigureOut">
               <a:rPr lang="en-US" smtClean="0"/>
               <a:pPr/>
-              <a:t>9/2/2018</a:t>
+              <a:t>9/3/2018</a:t>
             </a:fld>
             <a:endParaRPr lang="en-US" dirty="0"/>
           </a:p>
@@ -3241,7 +3241,7 @@
             <a:fld id="{8DFA1846-DA80-1C48-A609-854EA85C59AD}" type="datetimeFigureOut">
               <a:rPr lang="en-US" smtClean="0"/>
               <a:pPr/>
-              <a:t>9/2/2018</a:t>
+              <a:t>9/3/2018</a:t>
             </a:fld>
             <a:endParaRPr lang="en-US" dirty="0"/>
           </a:p>
@@ -3637,7 +3637,7 @@
             <a:fld id="{57302355-E14B-8545-A8F8-0FE83CC9D524}" type="datetimeFigureOut">
               <a:rPr lang="en-US" smtClean="0"/>
               <a:pPr/>
-              <a:t>9/2/2018</a:t>
+              <a:t>9/3/2018</a:t>
             </a:fld>
             <a:endParaRPr lang="en-US" dirty="0"/>
           </a:p>
@@ -4116,7 +4116,7 @@
             <a:fld id="{02640F58-564D-2B4F-AE67-E407BA4FCF45}" type="datetimeFigureOut">
               <a:rPr lang="en-US" smtClean="0"/>
               <a:pPr/>
-              <a:t>9/2/2018</a:t>
+              <a:t>9/3/2018</a:t>
             </a:fld>
             <a:endParaRPr lang="en-US" dirty="0"/>
           </a:p>
@@ -4236,7 +4236,7 @@
             <a:fld id="{F13A34C8-038E-2045-AF43-DF7DBB8E0E9E}" type="datetimeFigureOut">
               <a:rPr lang="en-US" smtClean="0"/>
               <a:pPr/>
-              <a:t>9/2/2018</a:t>
+              <a:t>9/3/2018</a:t>
             </a:fld>
             <a:endParaRPr lang="en-US" dirty="0"/>
           </a:p>
@@ -4333,7 +4333,7 @@
             <a:fld id="{8818C68F-D26B-8F47-958C-23B49CF8A634}" type="datetimeFigureOut">
               <a:rPr lang="en-US" smtClean="0"/>
               <a:pPr/>
-              <a:t>9/2/2018</a:t>
+              <a:t>9/3/2018</a:t>
             </a:fld>
             <a:endParaRPr lang="en-US" dirty="0"/>
           </a:p>
@@ -4681,7 +4681,7 @@
             <a:fld id="{D0DF5E60-9974-AC48-9591-99C2BB44B7CF}" type="datetimeFigureOut">
               <a:rPr lang="en-US" smtClean="0"/>
               <a:pPr/>
-              <a:t>9/2/2018</a:t>
+              <a:t>9/3/2018</a:t>
             </a:fld>
             <a:endParaRPr lang="en-US" dirty="0"/>
           </a:p>
@@ -5071,7 +5071,7 @@
             <a:fld id="{09B482E8-6E0E-1B4F-B1FD-C69DB9E858D9}" type="datetimeFigureOut">
               <a:rPr lang="en-US" smtClean="0"/>
               <a:pPr/>
-              <a:t>9/2/2018</a:t>
+              <a:t>9/3/2018</a:t>
             </a:fld>
             <a:endParaRPr lang="en-US" dirty="0"/>
           </a:p>
@@ -5351,7 +5351,7 @@
             <a:fld id="{09B482E8-6E0E-1B4F-B1FD-C69DB9E858D9}" type="datetimeFigureOut">
               <a:rPr lang="en-US" smtClean="0"/>
               <a:pPr/>
-              <a:t>9/2/2018</a:t>
+              <a:t>9/3/2018</a:t>
             </a:fld>
             <a:endParaRPr lang="en-US" dirty="0"/>
           </a:p>
@@ -5927,6 +5927,14 @@
 <file path=ppt/slides/slide1.xml><?xml version="1.0" encoding="utf-8"?>
 <p:sld xmlns:a="http://schemas.openxmlformats.org/drawingml/2006/main" xmlns:r="http://schemas.openxmlformats.org/officeDocument/2006/relationships" xmlns:p="http://schemas.openxmlformats.org/presentationml/2006/main">
   <p:cSld>
+    <p:bg>
+      <p:bgPr>
+        <a:solidFill>
+          <a:schemeClr val="bg2"/>
+        </a:solidFill>
+        <a:effectLst/>
+      </p:bgPr>
+    </p:bg>
     <p:spTree>
       <p:nvGrpSpPr>
         <p:cNvPr id="1" name=""/>
@@ -5941,6 +5949,262 @@
           <a:chExt cx="0" cy="0"/>
         </a:xfrm>
       </p:grpSpPr>
+      <p:pic>
+        <p:nvPicPr>
+          <p:cNvPr id="11" name="Picture 10">
+            <a:extLst>
+              <a:ext uri="{FF2B5EF4-FFF2-40B4-BE49-F238E27FC236}">
+                <a16:creationId xmlns:a16="http://schemas.microsoft.com/office/drawing/2014/main" id="{3BD46D49-312E-4E3C-ABAA-4AAC80527D6F}"/>
+              </a:ext>
+            </a:extLst>
+          </p:cNvPr>
+          <p:cNvPicPr>
+            <a:picLocks noChangeAspect="1"/>
+          </p:cNvPicPr>
+          <p:nvPr/>
+        </p:nvPicPr>
+        <p:blipFill rotWithShape="1">
+          <a:blip r:embed="rId3">
+            <a:grayscl/>
+            <a:extLst/>
+          </a:blip>
+          <a:srcRect r="20" b="1"/>
+          <a:stretch/>
+        </p:blipFill>
+        <p:spPr>
+          <a:xfrm>
+            <a:off x="0" y="0"/>
+            <a:ext cx="12192000" cy="6858000"/>
+          </a:xfrm>
+          <a:prstGeom prst="rect">
+            <a:avLst/>
+          </a:prstGeom>
+        </p:spPr>
+      </p:pic>
+      <p:sp>
+        <p:nvSpPr>
+          <p:cNvPr id="16" name="Rectangle 15">
+            <a:extLst>
+              <a:ext uri="{FF2B5EF4-FFF2-40B4-BE49-F238E27FC236}">
+                <a16:creationId xmlns:a16="http://schemas.microsoft.com/office/drawing/2014/main" id="{ED9C10B4-E6CF-4138-A430-ADE3DCF0FE70}"/>
+              </a:ext>
+              <a:ext uri="{C183D7F6-B498-43B3-948B-1728B52AA6E4}">
+                <adec:decorative xmlns:adec="http://schemas.microsoft.com/office/drawing/2017/decorative" val="1"/>
+              </a:ext>
+            </a:extLst>
+          </p:cNvPr>
+          <p:cNvSpPr>
+            <a:spLocks noGrp="1" noRot="1" noChangeAspect="1" noMove="1" noResize="1" noEditPoints="1" noAdjustHandles="1" noChangeArrowheads="1" noChangeShapeType="1" noTextEdit="1"/>
+          </p:cNvSpPr>
+          <p:nvPr>
+            <p:extLst>
+              <p:ext uri="{386F3935-93C4-4BCD-93E2-E3B085C9AB24}">
+                <p16:designElem xmlns:p16="http://schemas.microsoft.com/office/powerpoint/2015/main" val="1"/>
+              </p:ext>
+            </p:extLst>
+          </p:nvPr>
+        </p:nvSpPr>
+        <p:spPr bwMode="ltGray">
+          <a:xfrm>
+            <a:off x="-258" y="0"/>
+            <a:ext cx="12192000" cy="6858000"/>
+          </a:xfrm>
+          <a:prstGeom prst="rect">
+            <a:avLst/>
+          </a:prstGeom>
+          <a:gradFill flip="none" rotWithShape="1">
+            <a:gsLst>
+              <a:gs pos="20000">
+                <a:schemeClr val="tx2">
+                  <a:alpha val="70000"/>
+                </a:schemeClr>
+              </a:gs>
+              <a:gs pos="100000">
+                <a:schemeClr val="tx2"/>
+              </a:gs>
+            </a:gsLst>
+            <a:path path="circle">
+              <a:fillToRect l="50000" t="50000" r="50000" b="50000"/>
+            </a:path>
+            <a:tileRect/>
+          </a:gradFill>
+          <a:ln>
+            <a:noFill/>
+          </a:ln>
+        </p:spPr>
+        <p:style>
+          <a:lnRef idx="2">
+            <a:schemeClr val="accent1">
+              <a:shade val="50000"/>
+            </a:schemeClr>
+          </a:lnRef>
+          <a:fillRef idx="1">
+            <a:schemeClr val="accent1"/>
+          </a:fillRef>
+          <a:effectRef idx="0">
+            <a:schemeClr val="accent1"/>
+          </a:effectRef>
+          <a:fontRef idx="minor">
+            <a:schemeClr val="lt1"/>
+          </a:fontRef>
+        </p:style>
+        <p:txBody>
+          <a:bodyPr rtlCol="0" anchor="ctr"/>
+          <a:lstStyle/>
+          <a:p>
+            <a:pPr algn="ctr"/>
+            <a:endParaRPr lang="en-US"/>
+          </a:p>
+        </p:txBody>
+      </p:sp>
+      <p:sp>
+        <p:nvSpPr>
+          <p:cNvPr id="18" name="Freeform 6">
+            <a:extLst>
+              <a:ext uri="{FF2B5EF4-FFF2-40B4-BE49-F238E27FC236}">
+                <a16:creationId xmlns:a16="http://schemas.microsoft.com/office/drawing/2014/main" id="{59A08B30-802F-44BB-8817-40AAE17DBE8A}"/>
+              </a:ext>
+              <a:ext uri="{C183D7F6-B498-43B3-948B-1728B52AA6E4}">
+                <adec:decorative xmlns:adec="http://schemas.microsoft.com/office/drawing/2017/decorative" val="1"/>
+              </a:ext>
+            </a:extLst>
+          </p:cNvPr>
+          <p:cNvSpPr>
+            <a:spLocks noGrp="1" noRot="1" noChangeAspect="1" noMove="1" noResize="1" noEditPoints="1" noAdjustHandles="1" noChangeArrowheads="1" noChangeShapeType="1" noTextEdit="1"/>
+          </p:cNvSpPr>
+          <p:nvPr>
+            <p:extLst>
+              <p:ext uri="{386F3935-93C4-4BCD-93E2-E3B085C9AB24}">
+                <p16:designElem xmlns:p16="http://schemas.microsoft.com/office/powerpoint/2015/main" val="1"/>
+              </p:ext>
+            </p:extLst>
+          </p:nvPr>
+        </p:nvSpPr>
+        <p:spPr bwMode="auto">
+          <a:xfrm flipH="1" flipV="1">
+            <a:off x="752858" y="744469"/>
+            <a:ext cx="3275668" cy="4408488"/>
+          </a:xfrm>
+          <a:custGeom>
+            <a:avLst/>
+            <a:gdLst/>
+            <a:ahLst/>
+            <a:cxnLst/>
+            <a:rect l="l" t="t" r="r" b="b"/>
+            <a:pathLst>
+              <a:path w="10002" h="10000">
+                <a:moveTo>
+                  <a:pt x="8763" y="0"/>
+                </a:moveTo>
+                <a:lnTo>
+                  <a:pt x="10002" y="0"/>
+                </a:lnTo>
+                <a:lnTo>
+                  <a:pt x="10002" y="10000"/>
+                </a:lnTo>
+                <a:lnTo>
+                  <a:pt x="2" y="10000"/>
+                </a:lnTo>
+                <a:cubicBezTo>
+                  <a:pt x="-2" y="9698"/>
+                  <a:pt x="4" y="9427"/>
+                  <a:pt x="0" y="9125"/>
+                </a:cubicBezTo>
+                <a:lnTo>
+                  <a:pt x="8763" y="9128"/>
+                </a:lnTo>
+                <a:lnTo>
+                  <a:pt x="8763" y="0"/>
+                </a:lnTo>
+                <a:close/>
+              </a:path>
+            </a:pathLst>
+          </a:custGeom>
+          <a:solidFill>
+            <a:schemeClr val="bg2"/>
+          </a:solidFill>
+          <a:ln w="0">
+            <a:noFill/>
+            <a:prstDash val="solid"/>
+            <a:round/>
+            <a:headEnd/>
+            <a:tailEnd/>
+          </a:ln>
+        </p:spPr>
+      </p:sp>
+      <p:sp>
+        <p:nvSpPr>
+          <p:cNvPr id="20" name="Freeform 6">
+            <a:extLst>
+              <a:ext uri="{FF2B5EF4-FFF2-40B4-BE49-F238E27FC236}">
+                <a16:creationId xmlns:a16="http://schemas.microsoft.com/office/drawing/2014/main" id="{FB93F8E6-40C5-4DF8-B869-00349BD4600F}"/>
+              </a:ext>
+              <a:ext uri="{C183D7F6-B498-43B3-948B-1728B52AA6E4}">
+                <adec:decorative xmlns:adec="http://schemas.microsoft.com/office/drawing/2017/decorative" val="1"/>
+              </a:ext>
+            </a:extLst>
+          </p:cNvPr>
+          <p:cNvSpPr>
+            <a:spLocks noGrp="1" noRot="1" noChangeAspect="1" noMove="1" noResize="1" noEditPoints="1" noAdjustHandles="1" noChangeArrowheads="1" noChangeShapeType="1" noTextEdit="1"/>
+          </p:cNvSpPr>
+          <p:nvPr>
+            <p:extLst>
+              <p:ext uri="{386F3935-93C4-4BCD-93E2-E3B085C9AB24}">
+                <p16:designElem xmlns:p16="http://schemas.microsoft.com/office/powerpoint/2015/main" val="1"/>
+              </p:ext>
+            </p:extLst>
+          </p:nvPr>
+        </p:nvSpPr>
+        <p:spPr bwMode="auto">
+          <a:xfrm>
+            <a:off x="8151962" y="1685652"/>
+            <a:ext cx="3275013" cy="4408488"/>
+          </a:xfrm>
+          <a:custGeom>
+            <a:avLst/>
+            <a:gdLst/>
+            <a:ahLst/>
+            <a:cxnLst/>
+            <a:rect l="l" t="t" r="r" b="b"/>
+            <a:pathLst>
+              <a:path w="10000" h="10000">
+                <a:moveTo>
+                  <a:pt x="8761" y="0"/>
+                </a:moveTo>
+                <a:lnTo>
+                  <a:pt x="10000" y="0"/>
+                </a:lnTo>
+                <a:lnTo>
+                  <a:pt x="10000" y="10000"/>
+                </a:lnTo>
+                <a:lnTo>
+                  <a:pt x="0" y="10000"/>
+                </a:lnTo>
+                <a:lnTo>
+                  <a:pt x="0" y="9126"/>
+                </a:lnTo>
+                <a:lnTo>
+                  <a:pt x="8761" y="9127"/>
+                </a:lnTo>
+                <a:lnTo>
+                  <a:pt x="8761" y="0"/>
+                </a:lnTo>
+                <a:close/>
+              </a:path>
+            </a:pathLst>
+          </a:custGeom>
+          <a:solidFill>
+            <a:schemeClr val="bg2"/>
+          </a:solidFill>
+          <a:ln w="0">
+            <a:noFill/>
+            <a:prstDash val="solid"/>
+            <a:round/>
+            <a:headEnd/>
+            <a:tailEnd/>
+          </a:ln>
+        </p:spPr>
+      </p:sp>
       <p:sp>
         <p:nvSpPr>
           <p:cNvPr id="2" name="Title 1">
@@ -5964,14 +6228,19 @@
           </a:xfrm>
         </p:spPr>
         <p:txBody>
-          <a:bodyPr/>
-          <a:lstStyle/>
-          <a:p>
-            <a:r>
-              <a:rPr lang="en-SG" sz="9600"/>
+          <a:bodyPr>
+            <a:normAutofit/>
+          </a:bodyPr>
+          <a:lstStyle/>
+          <a:p>
+            <a:r>
+              <a:rPr lang="en-SG">
+                <a:solidFill>
+                  <a:schemeClr val="bg2"/>
+                </a:solidFill>
+              </a:rPr>
               <a:t>CS1010</a:t>
             </a:r>
-            <a:endParaRPr lang="en-SG" sz="9600" dirty="0"/>
           </a:p>
         </p:txBody>
       </p:sp>
@@ -6003,13 +6272,27 @@
           </a:bodyPr>
           <a:lstStyle/>
           <a:p>
-            <a:r>
-              <a:rPr lang="en-SG" sz="4000" b="1" dirty="0">
-                <a:solidFill>
-                  <a:srgbClr val="00B050"/>
-                </a:solidFill>
-              </a:rPr>
-              <a:t>https://t.me/cs1010isfun</a:t>
+            <a:pPr>
+              <a:spcAft>
+                <a:spcPts val="600"/>
+              </a:spcAft>
+            </a:pPr>
+            <a:r>
+              <a:rPr lang="en-SG" b="1" dirty="0">
+                <a:solidFill>
+                  <a:schemeClr val="bg2"/>
+                </a:solidFill>
+                <a:hlinkClick r:id="rId4"/>
+              </a:rPr>
+              <a:t>https://github.com/DigiPie/cs1010_tut_c09</a:t>
+            </a:r>
+            <a:r>
+              <a:rPr lang="en-SG" b="1" dirty="0">
+                <a:solidFill>
+                  <a:schemeClr val="bg2"/>
+                </a:solidFill>
+              </a:rPr>
+              <a:t> </a:t>
             </a:r>
           </a:p>
         </p:txBody>
@@ -6076,6 +6359,51 @@
         <p:spPr bwMode="auto">
           <a:xfrm>
             <a:off x="3257550" y="1900238"/>
+            <a:ext cx="5981700" cy="3362325"/>
+          </a:xfrm>
+          <a:prstGeom prst="rect">
+            <a:avLst/>
+          </a:prstGeom>
+          <a:noFill/>
+          <a:extLst>
+            <a:ext uri="{909E8E84-426E-40DD-AFC4-6F175D3DCCD1}">
+              <a14:hiddenFill xmlns:a14="http://schemas.microsoft.com/office/drawing/2010/main">
+                <a:solidFill>
+                  <a:srgbClr val="FFFFFF"/>
+                </a:solidFill>
+              </a14:hiddenFill>
+            </a:ext>
+          </a:extLst>
+        </p:spPr>
+        <p:txBody>
+          <a:bodyPr vert="horz" wrap="square" lIns="91440" tIns="45720" rIns="91440" bIns="45720" numCol="1" anchor="t" anchorCtr="0" compatLnSpc="1">
+            <a:prstTxWarp prst="textNoShape">
+              <a:avLst/>
+            </a:prstTxWarp>
+          </a:bodyPr>
+          <a:lstStyle/>
+          <a:p>
+            <a:endParaRPr lang="en-SG"/>
+          </a:p>
+        </p:txBody>
+      </p:sp>
+      <p:sp>
+        <p:nvSpPr>
+          <p:cNvPr id="6" name="AutoShape 2" descr="Image result for code background">
+            <a:extLst>
+              <a:ext uri="{FF2B5EF4-FFF2-40B4-BE49-F238E27FC236}">
+                <a16:creationId xmlns:a16="http://schemas.microsoft.com/office/drawing/2014/main" id="{99E6EFA6-1547-4CE5-8AA0-15B0BAAD2EF7}"/>
+              </a:ext>
+            </a:extLst>
+          </p:cNvPr>
+          <p:cNvSpPr>
+            <a:spLocks noChangeAspect="1" noChangeArrowheads="1"/>
+          </p:cNvSpPr>
+          <p:nvPr/>
+        </p:nvSpPr>
+        <p:spPr bwMode="auto">
+          <a:xfrm>
+            <a:off x="3409950" y="2052638"/>
             <a:ext cx="5981700" cy="3362325"/>
           </a:xfrm>
           <a:prstGeom prst="rect">
@@ -6118,206 +6446,6 @@
 </file>
 
 <file path=ppt/slides/slide10.xml><?xml version="1.0" encoding="utf-8"?>
-<p:sld xmlns:a="http://schemas.openxmlformats.org/drawingml/2006/main" xmlns:r="http://schemas.openxmlformats.org/officeDocument/2006/relationships" xmlns:p="http://schemas.openxmlformats.org/presentationml/2006/main">
-  <p:cSld>
-    <p:spTree>
-      <p:nvGrpSpPr>
-        <p:cNvPr id="1" name=""/>
-        <p:cNvGrpSpPr/>
-        <p:nvPr/>
-      </p:nvGrpSpPr>
-      <p:grpSpPr>
-        <a:xfrm>
-          <a:off x="0" y="0"/>
-          <a:ext cx="0" cy="0"/>
-          <a:chOff x="0" y="0"/>
-          <a:chExt cx="0" cy="0"/>
-        </a:xfrm>
-      </p:grpSpPr>
-      <p:sp>
-        <p:nvSpPr>
-          <p:cNvPr id="2" name="Title 1">
-            <a:extLst>
-              <a:ext uri="{FF2B5EF4-FFF2-40B4-BE49-F238E27FC236}">
-                <a16:creationId xmlns:a16="http://schemas.microsoft.com/office/drawing/2014/main" id="{3CB3F7EA-C6D4-4913-AB50-ADB68F647906}"/>
-              </a:ext>
-            </a:extLst>
-          </p:cNvPr>
-          <p:cNvSpPr>
-            <a:spLocks noGrp="1"/>
-          </p:cNvSpPr>
-          <p:nvPr>
-            <p:ph type="ctrTitle"/>
-          </p:nvPr>
-        </p:nvSpPr>
-        <p:spPr>
-          <a:xfrm>
-            <a:off x="1915128" y="1788454"/>
-            <a:ext cx="8361229" cy="2098226"/>
-          </a:xfrm>
-        </p:spPr>
-        <p:txBody>
-          <a:bodyPr/>
-          <a:lstStyle/>
-          <a:p>
-            <a:r>
-              <a:rPr lang="en-SG" sz="9600" dirty="0"/>
-              <a:t>Problem sets</a:t>
-            </a:r>
-          </a:p>
-        </p:txBody>
-      </p:sp>
-      <p:sp>
-        <p:nvSpPr>
-          <p:cNvPr id="4" name="AutoShape 2" descr="Image result for gong cha nus">
-            <a:extLst>
-              <a:ext uri="{FF2B5EF4-FFF2-40B4-BE49-F238E27FC236}">
-                <a16:creationId xmlns:a16="http://schemas.microsoft.com/office/drawing/2014/main" id="{943BFA35-D113-4E70-8747-61669A1E3B02}"/>
-              </a:ext>
-            </a:extLst>
-          </p:cNvPr>
-          <p:cNvSpPr>
-            <a:spLocks noChangeAspect="1" noChangeArrowheads="1"/>
-          </p:cNvSpPr>
-          <p:nvPr/>
-        </p:nvSpPr>
-        <p:spPr bwMode="auto">
-          <a:xfrm>
-            <a:off x="3105150" y="1747838"/>
-            <a:ext cx="5981700" cy="3362325"/>
-          </a:xfrm>
-          <a:prstGeom prst="rect">
-            <a:avLst/>
-          </a:prstGeom>
-          <a:noFill/>
-          <a:extLst>
-            <a:ext uri="{909E8E84-426E-40DD-AFC4-6F175D3DCCD1}">
-              <a14:hiddenFill xmlns:a14="http://schemas.microsoft.com/office/drawing/2010/main">
-                <a:solidFill>
-                  <a:srgbClr val="FFFFFF"/>
-                </a:solidFill>
-              </a14:hiddenFill>
-            </a:ext>
-          </a:extLst>
-        </p:spPr>
-        <p:txBody>
-          <a:bodyPr vert="horz" wrap="square" lIns="91440" tIns="45720" rIns="91440" bIns="45720" numCol="1" anchor="t" anchorCtr="0" compatLnSpc="1">
-            <a:prstTxWarp prst="textNoShape">
-              <a:avLst/>
-            </a:prstTxWarp>
-          </a:bodyPr>
-          <a:lstStyle/>
-          <a:p>
-            <a:endParaRPr lang="en-SG"/>
-          </a:p>
-        </p:txBody>
-      </p:sp>
-      <p:sp>
-        <p:nvSpPr>
-          <p:cNvPr id="5" name="AutoShape 4" descr="Image result for gong cha nus">
-            <a:extLst>
-              <a:ext uri="{FF2B5EF4-FFF2-40B4-BE49-F238E27FC236}">
-                <a16:creationId xmlns:a16="http://schemas.microsoft.com/office/drawing/2014/main" id="{7E6627FC-FBA5-4808-B20D-C2380A27245A}"/>
-              </a:ext>
-            </a:extLst>
-          </p:cNvPr>
-          <p:cNvSpPr>
-            <a:spLocks noChangeAspect="1" noChangeArrowheads="1"/>
-          </p:cNvSpPr>
-          <p:nvPr/>
-        </p:nvSpPr>
-        <p:spPr bwMode="auto">
-          <a:xfrm>
-            <a:off x="3257550" y="1900238"/>
-            <a:ext cx="5981700" cy="3362325"/>
-          </a:xfrm>
-          <a:prstGeom prst="rect">
-            <a:avLst/>
-          </a:prstGeom>
-          <a:noFill/>
-          <a:extLst>
-            <a:ext uri="{909E8E84-426E-40DD-AFC4-6F175D3DCCD1}">
-              <a14:hiddenFill xmlns:a14="http://schemas.microsoft.com/office/drawing/2010/main">
-                <a:solidFill>
-                  <a:srgbClr val="FFFFFF"/>
-                </a:solidFill>
-              </a14:hiddenFill>
-            </a:ext>
-          </a:extLst>
-        </p:spPr>
-        <p:txBody>
-          <a:bodyPr vert="horz" wrap="square" lIns="91440" tIns="45720" rIns="91440" bIns="45720" numCol="1" anchor="t" anchorCtr="0" compatLnSpc="1">
-            <a:prstTxWarp prst="textNoShape">
-              <a:avLst/>
-            </a:prstTxWarp>
-          </a:bodyPr>
-          <a:lstStyle/>
-          <a:p>
-            <a:endParaRPr lang="en-SG"/>
-          </a:p>
-        </p:txBody>
-      </p:sp>
-      <p:sp>
-        <p:nvSpPr>
-          <p:cNvPr id="8" name="Subtitle 2">
-            <a:extLst>
-              <a:ext uri="{FF2B5EF4-FFF2-40B4-BE49-F238E27FC236}">
-                <a16:creationId xmlns:a16="http://schemas.microsoft.com/office/drawing/2014/main" id="{BEC7D028-D5EE-4DEA-A3DF-A37DDF18BC37}"/>
-              </a:ext>
-            </a:extLst>
-          </p:cNvPr>
-          <p:cNvSpPr>
-            <a:spLocks noGrp="1"/>
-          </p:cNvSpPr>
-          <p:nvPr>
-            <p:ph type="subTitle" idx="1"/>
-          </p:nvPr>
-        </p:nvSpPr>
-        <p:spPr>
-          <a:xfrm>
-            <a:off x="2679906" y="3956279"/>
-            <a:ext cx="6831673" cy="1086237"/>
-          </a:xfrm>
-        </p:spPr>
-        <p:txBody>
-          <a:bodyPr>
-            <a:normAutofit/>
-          </a:bodyPr>
-          <a:lstStyle/>
-          <a:p>
-            <a:r>
-              <a:rPr lang="en-SG" sz="4000" b="1" dirty="0">
-                <a:solidFill>
-                  <a:srgbClr val="00B050"/>
-                </a:solidFill>
-              </a:rPr>
-              <a:t>3.1, </a:t>
-            </a:r>
-            <a:r>
-              <a:rPr lang="en-SG" sz="4000" dirty="0">
-                <a:solidFill>
-                  <a:schemeClr val="tx1"/>
-                </a:solidFill>
-              </a:rPr>
-              <a:t>3.2, 5.1, 5.2</a:t>
-            </a:r>
-          </a:p>
-        </p:txBody>
-      </p:sp>
-    </p:spTree>
-    <p:extLst>
-      <p:ext uri="{BB962C8B-B14F-4D97-AF65-F5344CB8AC3E}">
-        <p14:creationId xmlns:p14="http://schemas.microsoft.com/office/powerpoint/2010/main" val="3762408587"/>
-      </p:ext>
-    </p:extLst>
-  </p:cSld>
-  <p:clrMapOvr>
-    <a:masterClrMapping/>
-  </p:clrMapOvr>
-</p:sld>
-</file>
-
-<file path=ppt/slides/slide11.xml><?xml version="1.0" encoding="utf-8"?>
 <p:sld xmlns:a="http://schemas.openxmlformats.org/drawingml/2006/main" xmlns:r="http://schemas.openxmlformats.org/officeDocument/2006/relationships" xmlns:p="http://schemas.openxmlformats.org/presentationml/2006/main">
   <p:cSld>
     <p:spTree>
@@ -6461,7 +6589,7 @@
 </p:sld>
 </file>
 
-<file path=ppt/slides/slide12.xml><?xml version="1.0" encoding="utf-8"?>
+<file path=ppt/slides/slide11.xml><?xml version="1.0" encoding="utf-8"?>
 <p:sld xmlns:a="http://schemas.openxmlformats.org/drawingml/2006/main" xmlns:r="http://schemas.openxmlformats.org/officeDocument/2006/relationships" xmlns:p="http://schemas.openxmlformats.org/presentationml/2006/main">
   <p:cSld>
     <p:spTree>
@@ -6850,7 +6978,7 @@
 </p:sld>
 </file>
 
-<file path=ppt/slides/slide13.xml><?xml version="1.0" encoding="utf-8"?>
+<file path=ppt/slides/slide12.xml><?xml version="1.0" encoding="utf-8"?>
 <p:sld xmlns:a="http://schemas.openxmlformats.org/drawingml/2006/main" xmlns:r="http://schemas.openxmlformats.org/officeDocument/2006/relationships" xmlns:p="http://schemas.openxmlformats.org/presentationml/2006/main">
   <p:cSld>
     <p:spTree>
@@ -7027,7 +7155,7 @@
 </p:sld>
 </file>
 
-<file path=ppt/slides/slide14.xml><?xml version="1.0" encoding="utf-8"?>
+<file path=ppt/slides/slide13.xml><?xml version="1.0" encoding="utf-8"?>
 <p:sld xmlns:a="http://schemas.openxmlformats.org/drawingml/2006/main" xmlns:r="http://schemas.openxmlformats.org/officeDocument/2006/relationships" xmlns:p="http://schemas.openxmlformats.org/presentationml/2006/main">
   <p:cSld>
     <p:spTree>
@@ -7221,6 +7349,214 @@
 </p:sld>
 </file>
 
+<file path=ppt/slides/slide14.xml><?xml version="1.0" encoding="utf-8"?>
+<p:sld xmlns:a="http://schemas.openxmlformats.org/drawingml/2006/main" xmlns:r="http://schemas.openxmlformats.org/officeDocument/2006/relationships" xmlns:p="http://schemas.openxmlformats.org/presentationml/2006/main">
+  <p:cSld>
+    <p:spTree>
+      <p:nvGrpSpPr>
+        <p:cNvPr id="1" name=""/>
+        <p:cNvGrpSpPr/>
+        <p:nvPr/>
+      </p:nvGrpSpPr>
+      <p:grpSpPr>
+        <a:xfrm>
+          <a:off x="0" y="0"/>
+          <a:ext cx="0" cy="0"/>
+          <a:chOff x="0" y="0"/>
+          <a:chExt cx="0" cy="0"/>
+        </a:xfrm>
+      </p:grpSpPr>
+      <p:sp>
+        <p:nvSpPr>
+          <p:cNvPr id="2" name="Title 1">
+            <a:extLst>
+              <a:ext uri="{FF2B5EF4-FFF2-40B4-BE49-F238E27FC236}">
+                <a16:creationId xmlns:a16="http://schemas.microsoft.com/office/drawing/2014/main" id="{3CB3F7EA-C6D4-4913-AB50-ADB68F647906}"/>
+              </a:ext>
+            </a:extLst>
+          </p:cNvPr>
+          <p:cNvSpPr>
+            <a:spLocks noGrp="1"/>
+          </p:cNvSpPr>
+          <p:nvPr>
+            <p:ph type="ctrTitle"/>
+          </p:nvPr>
+        </p:nvSpPr>
+        <p:spPr>
+          <a:xfrm>
+            <a:off x="1915128" y="1788454"/>
+            <a:ext cx="8361229" cy="2098226"/>
+          </a:xfrm>
+        </p:spPr>
+        <p:txBody>
+          <a:bodyPr/>
+          <a:lstStyle/>
+          <a:p>
+            <a:r>
+              <a:rPr lang="en-SG" sz="9600" dirty="0"/>
+              <a:t>Problem sets</a:t>
+            </a:r>
+          </a:p>
+        </p:txBody>
+      </p:sp>
+      <p:sp>
+        <p:nvSpPr>
+          <p:cNvPr id="4" name="AutoShape 2" descr="Image result for gong cha nus">
+            <a:extLst>
+              <a:ext uri="{FF2B5EF4-FFF2-40B4-BE49-F238E27FC236}">
+                <a16:creationId xmlns:a16="http://schemas.microsoft.com/office/drawing/2014/main" id="{943BFA35-D113-4E70-8747-61669A1E3B02}"/>
+              </a:ext>
+            </a:extLst>
+          </p:cNvPr>
+          <p:cNvSpPr>
+            <a:spLocks noChangeAspect="1" noChangeArrowheads="1"/>
+          </p:cNvSpPr>
+          <p:nvPr/>
+        </p:nvSpPr>
+        <p:spPr bwMode="auto">
+          <a:xfrm>
+            <a:off x="3105150" y="1747838"/>
+            <a:ext cx="5981700" cy="3362325"/>
+          </a:xfrm>
+          <a:prstGeom prst="rect">
+            <a:avLst/>
+          </a:prstGeom>
+          <a:noFill/>
+          <a:extLst>
+            <a:ext uri="{909E8E84-426E-40DD-AFC4-6F175D3DCCD1}">
+              <a14:hiddenFill xmlns:a14="http://schemas.microsoft.com/office/drawing/2010/main">
+                <a:solidFill>
+                  <a:srgbClr val="FFFFFF"/>
+                </a:solidFill>
+              </a14:hiddenFill>
+            </a:ext>
+          </a:extLst>
+        </p:spPr>
+        <p:txBody>
+          <a:bodyPr vert="horz" wrap="square" lIns="91440" tIns="45720" rIns="91440" bIns="45720" numCol="1" anchor="t" anchorCtr="0" compatLnSpc="1">
+            <a:prstTxWarp prst="textNoShape">
+              <a:avLst/>
+            </a:prstTxWarp>
+          </a:bodyPr>
+          <a:lstStyle/>
+          <a:p>
+            <a:endParaRPr lang="en-SG"/>
+          </a:p>
+        </p:txBody>
+      </p:sp>
+      <p:sp>
+        <p:nvSpPr>
+          <p:cNvPr id="5" name="AutoShape 4" descr="Image result for gong cha nus">
+            <a:extLst>
+              <a:ext uri="{FF2B5EF4-FFF2-40B4-BE49-F238E27FC236}">
+                <a16:creationId xmlns:a16="http://schemas.microsoft.com/office/drawing/2014/main" id="{7E6627FC-FBA5-4808-B20D-C2380A27245A}"/>
+              </a:ext>
+            </a:extLst>
+          </p:cNvPr>
+          <p:cNvSpPr>
+            <a:spLocks noChangeAspect="1" noChangeArrowheads="1"/>
+          </p:cNvSpPr>
+          <p:nvPr/>
+        </p:nvSpPr>
+        <p:spPr bwMode="auto">
+          <a:xfrm>
+            <a:off x="3257550" y="1900238"/>
+            <a:ext cx="5981700" cy="3362325"/>
+          </a:xfrm>
+          <a:prstGeom prst="rect">
+            <a:avLst/>
+          </a:prstGeom>
+          <a:noFill/>
+          <a:extLst>
+            <a:ext uri="{909E8E84-426E-40DD-AFC4-6F175D3DCCD1}">
+              <a14:hiddenFill xmlns:a14="http://schemas.microsoft.com/office/drawing/2010/main">
+                <a:solidFill>
+                  <a:srgbClr val="FFFFFF"/>
+                </a:solidFill>
+              </a14:hiddenFill>
+            </a:ext>
+          </a:extLst>
+        </p:spPr>
+        <p:txBody>
+          <a:bodyPr vert="horz" wrap="square" lIns="91440" tIns="45720" rIns="91440" bIns="45720" numCol="1" anchor="t" anchorCtr="0" compatLnSpc="1">
+            <a:prstTxWarp prst="textNoShape">
+              <a:avLst/>
+            </a:prstTxWarp>
+          </a:bodyPr>
+          <a:lstStyle/>
+          <a:p>
+            <a:endParaRPr lang="en-SG"/>
+          </a:p>
+        </p:txBody>
+      </p:sp>
+      <p:sp>
+        <p:nvSpPr>
+          <p:cNvPr id="8" name="Subtitle 2">
+            <a:extLst>
+              <a:ext uri="{FF2B5EF4-FFF2-40B4-BE49-F238E27FC236}">
+                <a16:creationId xmlns:a16="http://schemas.microsoft.com/office/drawing/2014/main" id="{BEC7D028-D5EE-4DEA-A3DF-A37DDF18BC37}"/>
+              </a:ext>
+            </a:extLst>
+          </p:cNvPr>
+          <p:cNvSpPr>
+            <a:spLocks noGrp="1"/>
+          </p:cNvSpPr>
+          <p:nvPr>
+            <p:ph type="subTitle" idx="1"/>
+          </p:nvPr>
+        </p:nvSpPr>
+        <p:spPr>
+          <a:xfrm>
+            <a:off x="2679906" y="3956279"/>
+            <a:ext cx="6831673" cy="1086237"/>
+          </a:xfrm>
+        </p:spPr>
+        <p:txBody>
+          <a:bodyPr>
+            <a:normAutofit/>
+          </a:bodyPr>
+          <a:lstStyle/>
+          <a:p>
+            <a:r>
+              <a:rPr lang="en-SG" sz="4000" dirty="0">
+                <a:solidFill>
+                  <a:schemeClr val="tx1"/>
+                </a:solidFill>
+              </a:rPr>
+              <a:t>3.1, </a:t>
+            </a:r>
+            <a:r>
+              <a:rPr lang="en-SG" sz="4000" b="1" dirty="0">
+                <a:solidFill>
+                  <a:srgbClr val="00B050"/>
+                </a:solidFill>
+              </a:rPr>
+              <a:t>3.2</a:t>
+            </a:r>
+            <a:r>
+              <a:rPr lang="en-SG" sz="4000" dirty="0">
+                <a:solidFill>
+                  <a:schemeClr val="tx1"/>
+                </a:solidFill>
+              </a:rPr>
+              <a:t>, 5.1, 5.2</a:t>
+            </a:r>
+          </a:p>
+        </p:txBody>
+      </p:sp>
+    </p:spTree>
+    <p:extLst>
+      <p:ext uri="{BB962C8B-B14F-4D97-AF65-F5344CB8AC3E}">
+        <p14:creationId xmlns:p14="http://schemas.microsoft.com/office/powerpoint/2010/main" val="3046576433"/>
+      </p:ext>
+    </p:extLst>
+  </p:cSld>
+  <p:clrMapOvr>
+    <a:masterClrMapping/>
+  </p:clrMapOvr>
+</p:sld>
+</file>
+
 <file path=ppt/slides/slide15.xml><?xml version="1.0" encoding="utf-8"?>
 <p:sld xmlns:a="http://schemas.openxmlformats.org/drawingml/2006/main" xmlns:r="http://schemas.openxmlformats.org/officeDocument/2006/relationships" xmlns:p="http://schemas.openxmlformats.org/presentationml/2006/main">
   <p:cSld>
@@ -7240,10 +7576,119 @@
       </p:grpSpPr>
       <p:sp>
         <p:nvSpPr>
+          <p:cNvPr id="31" name="Content Placeholder 2">
+            <a:extLst>
+              <a:ext uri="{FF2B5EF4-FFF2-40B4-BE49-F238E27FC236}">
+                <a16:creationId xmlns:a16="http://schemas.microsoft.com/office/drawing/2014/main" id="{9C0F2BA5-2BCF-4516-9770-B5C9662FE70E}"/>
+              </a:ext>
+            </a:extLst>
+          </p:cNvPr>
+          <p:cNvSpPr>
+            <a:spLocks noGrp="1"/>
+          </p:cNvSpPr>
+          <p:nvPr>
+            <p:ph idx="1"/>
+          </p:nvPr>
+        </p:nvSpPr>
+        <p:spPr>
+          <a:xfrm>
+            <a:off x="1371600" y="2286000"/>
+            <a:ext cx="9601200" cy="3581400"/>
+          </a:xfrm>
+        </p:spPr>
+        <p:txBody>
+          <a:bodyPr>
+            <a:normAutofit lnSpcReduction="10000"/>
+          </a:bodyPr>
+          <a:lstStyle/>
+          <a:p>
+            <a:pPr marL="0" indent="0">
+              <a:buNone/>
+            </a:pPr>
+            <a:r>
+              <a:rPr lang="en-SG" dirty="0"/>
+              <a:t>sum(L, </a:t>
+            </a:r>
+            <a:r>
+              <a:rPr lang="en-SG" dirty="0" err="1"/>
+              <a:t>i</a:t>
+            </a:r>
+            <a:r>
+              <a:rPr lang="en-SG" dirty="0"/>
+              <a:t>, j) {</a:t>
+            </a:r>
+          </a:p>
+          <a:p>
+            <a:pPr marL="0" indent="0">
+              <a:buNone/>
+            </a:pPr>
+            <a:r>
+              <a:rPr lang="en-SG" dirty="0"/>
+              <a:t>	if ( </a:t>
+            </a:r>
+            <a:r>
+              <a:rPr lang="en-SG" dirty="0" err="1"/>
+              <a:t>i</a:t>
+            </a:r>
+            <a:r>
+              <a:rPr lang="en-SG" dirty="0"/>
+              <a:t> == j ) {</a:t>
+            </a:r>
+          </a:p>
+          <a:p>
+            <a:pPr marL="0" indent="0">
+              <a:buNone/>
+            </a:pPr>
+            <a:r>
+              <a:rPr lang="en-SG" dirty="0"/>
+              <a:t>		return Li;</a:t>
+            </a:r>
+          </a:p>
+          <a:p>
+            <a:pPr marL="0" indent="0">
+              <a:buNone/>
+            </a:pPr>
+            <a:r>
+              <a:rPr lang="en-SG" dirty="0"/>
+              <a:t>	} else {</a:t>
+            </a:r>
+          </a:p>
+          <a:p>
+            <a:pPr marL="0" indent="0">
+              <a:buNone/>
+            </a:pPr>
+            <a:r>
+              <a:rPr lang="en-SG" dirty="0"/>
+              <a:t>		return Li + sum(L, i+1, j);</a:t>
+            </a:r>
+          </a:p>
+          <a:p>
+            <a:pPr marL="0" indent="0">
+              <a:buNone/>
+            </a:pPr>
+            <a:r>
+              <a:rPr lang="en-SG" dirty="0"/>
+              <a:t>	}</a:t>
+            </a:r>
+          </a:p>
+          <a:p>
+            <a:pPr marL="0" indent="0">
+              <a:buNone/>
+            </a:pPr>
+            <a:r>
+              <a:rPr lang="en-SG" dirty="0"/>
+              <a:t>}</a:t>
+            </a:r>
+            <a:endParaRPr lang="en-US" dirty="0"/>
+          </a:p>
+        </p:txBody>
+      </p:sp>
+      <p:sp>
+        <p:nvSpPr>
           <p:cNvPr id="2" name="Title 1">
             <a:extLst>
               <a:ext uri="{FF2B5EF4-FFF2-40B4-BE49-F238E27FC236}">
-                <a16:creationId xmlns:a16="http://schemas.microsoft.com/office/drawing/2014/main" id="{3CB3F7EA-C6D4-4913-AB50-ADB68F647906}"/>
+                <a16:creationId xmlns:a16="http://schemas.microsoft.com/office/drawing/2014/main" id="{66AF622A-FAD9-45EA-BCF8-32AECDC5B766}"/>
               </a:ext>
             </a:extLst>
           </p:cNvPr>
@@ -7251,136 +7696,13 @@
             <a:spLocks noGrp="1"/>
           </p:cNvSpPr>
           <p:nvPr>
-            <p:ph type="ctrTitle"/>
+            <p:ph type="title"/>
           </p:nvPr>
         </p:nvSpPr>
         <p:spPr>
           <a:xfrm>
-            <a:off x="1915128" y="1788454"/>
-            <a:ext cx="8361229" cy="2098226"/>
-          </a:xfrm>
-        </p:spPr>
-        <p:txBody>
-          <a:bodyPr/>
-          <a:lstStyle/>
-          <a:p>
-            <a:r>
-              <a:rPr lang="en-SG" sz="9600" dirty="0"/>
-              <a:t>Problem sets</a:t>
-            </a:r>
-          </a:p>
-        </p:txBody>
-      </p:sp>
-      <p:sp>
-        <p:nvSpPr>
-          <p:cNvPr id="4" name="AutoShape 2" descr="Image result for gong cha nus">
-            <a:extLst>
-              <a:ext uri="{FF2B5EF4-FFF2-40B4-BE49-F238E27FC236}">
-                <a16:creationId xmlns:a16="http://schemas.microsoft.com/office/drawing/2014/main" id="{943BFA35-D113-4E70-8747-61669A1E3B02}"/>
-              </a:ext>
-            </a:extLst>
-          </p:cNvPr>
-          <p:cNvSpPr>
-            <a:spLocks noChangeAspect="1" noChangeArrowheads="1"/>
-          </p:cNvSpPr>
-          <p:nvPr/>
-        </p:nvSpPr>
-        <p:spPr bwMode="auto">
-          <a:xfrm>
-            <a:off x="3105150" y="1747838"/>
-            <a:ext cx="5981700" cy="3362325"/>
-          </a:xfrm>
-          <a:prstGeom prst="rect">
-            <a:avLst/>
-          </a:prstGeom>
-          <a:noFill/>
-          <a:extLst>
-            <a:ext uri="{909E8E84-426E-40DD-AFC4-6F175D3DCCD1}">
-              <a14:hiddenFill xmlns:a14="http://schemas.microsoft.com/office/drawing/2010/main">
-                <a:solidFill>
-                  <a:srgbClr val="FFFFFF"/>
-                </a:solidFill>
-              </a14:hiddenFill>
-            </a:ext>
-          </a:extLst>
-        </p:spPr>
-        <p:txBody>
-          <a:bodyPr vert="horz" wrap="square" lIns="91440" tIns="45720" rIns="91440" bIns="45720" numCol="1" anchor="t" anchorCtr="0" compatLnSpc="1">
-            <a:prstTxWarp prst="textNoShape">
-              <a:avLst/>
-            </a:prstTxWarp>
-          </a:bodyPr>
-          <a:lstStyle/>
-          <a:p>
-            <a:endParaRPr lang="en-SG"/>
-          </a:p>
-        </p:txBody>
-      </p:sp>
-      <p:sp>
-        <p:nvSpPr>
-          <p:cNvPr id="5" name="AutoShape 4" descr="Image result for gong cha nus">
-            <a:extLst>
-              <a:ext uri="{FF2B5EF4-FFF2-40B4-BE49-F238E27FC236}">
-                <a16:creationId xmlns:a16="http://schemas.microsoft.com/office/drawing/2014/main" id="{7E6627FC-FBA5-4808-B20D-C2380A27245A}"/>
-              </a:ext>
-            </a:extLst>
-          </p:cNvPr>
-          <p:cNvSpPr>
-            <a:spLocks noChangeAspect="1" noChangeArrowheads="1"/>
-          </p:cNvSpPr>
-          <p:nvPr/>
-        </p:nvSpPr>
-        <p:spPr bwMode="auto">
-          <a:xfrm>
-            <a:off x="3257550" y="1900238"/>
-            <a:ext cx="5981700" cy="3362325"/>
-          </a:xfrm>
-          <a:prstGeom prst="rect">
-            <a:avLst/>
-          </a:prstGeom>
-          <a:noFill/>
-          <a:extLst>
-            <a:ext uri="{909E8E84-426E-40DD-AFC4-6F175D3DCCD1}">
-              <a14:hiddenFill xmlns:a14="http://schemas.microsoft.com/office/drawing/2010/main">
-                <a:solidFill>
-                  <a:srgbClr val="FFFFFF"/>
-                </a:solidFill>
-              </a14:hiddenFill>
-            </a:ext>
-          </a:extLst>
-        </p:spPr>
-        <p:txBody>
-          <a:bodyPr vert="horz" wrap="square" lIns="91440" tIns="45720" rIns="91440" bIns="45720" numCol="1" anchor="t" anchorCtr="0" compatLnSpc="1">
-            <a:prstTxWarp prst="textNoShape">
-              <a:avLst/>
-            </a:prstTxWarp>
-          </a:bodyPr>
-          <a:lstStyle/>
-          <a:p>
-            <a:endParaRPr lang="en-SG"/>
-          </a:p>
-        </p:txBody>
-      </p:sp>
-      <p:sp>
-        <p:nvSpPr>
-          <p:cNvPr id="8" name="Subtitle 2">
-            <a:extLst>
-              <a:ext uri="{FF2B5EF4-FFF2-40B4-BE49-F238E27FC236}">
-                <a16:creationId xmlns:a16="http://schemas.microsoft.com/office/drawing/2014/main" id="{BEC7D028-D5EE-4DEA-A3DF-A37DDF18BC37}"/>
-              </a:ext>
-            </a:extLst>
-          </p:cNvPr>
-          <p:cNvSpPr>
-            <a:spLocks noGrp="1"/>
-          </p:cNvSpPr>
-          <p:nvPr>
-            <p:ph type="subTitle" idx="1"/>
-          </p:nvPr>
-        </p:nvSpPr>
-        <p:spPr>
-          <a:xfrm>
-            <a:off x="2679906" y="3956279"/>
-            <a:ext cx="6831673" cy="1086237"/>
+            <a:off x="1371600" y="685800"/>
+            <a:ext cx="9601200" cy="1485900"/>
           </a:xfrm>
         </p:spPr>
         <p:txBody>
@@ -7390,36 +7712,24 @@
           <a:lstStyle/>
           <a:p>
             <a:r>
-              <a:rPr lang="en-SG" sz="4000" dirty="0">
-                <a:solidFill>
-                  <a:schemeClr val="tx1"/>
-                </a:solidFill>
-              </a:rPr>
-              <a:t>3.1, </a:t>
-            </a:r>
-            <a:r>
-              <a:rPr lang="en-SG" sz="4000" b="1" dirty="0">
-                <a:solidFill>
-                  <a:srgbClr val="00B050"/>
-                </a:solidFill>
-              </a:rPr>
-              <a:t>3.2</a:t>
-            </a:r>
-            <a:r>
-              <a:rPr lang="en-SG" sz="4000" dirty="0">
-                <a:solidFill>
-                  <a:schemeClr val="tx1"/>
-                </a:solidFill>
-              </a:rPr>
-              <a:t>, 5.1, 5.2</a:t>
-            </a:r>
+              <a:rPr lang="en-SG" sz="4900" dirty="0"/>
+              <a:t>Problem Set 3.2 (a)</a:t>
+            </a:r>
+            <a:br>
+              <a:rPr lang="en-SG" dirty="0"/>
+            </a:br>
+            <a:r>
+              <a:rPr lang="en-US" sz="3600" dirty="0"/>
+              <a:t>Find the sum of all integers in L recursively</a:t>
+            </a:r>
+            <a:endParaRPr lang="en-SG" sz="2700" dirty="0"/>
           </a:p>
         </p:txBody>
       </p:sp>
     </p:spTree>
     <p:extLst>
       <p:ext uri="{BB962C8B-B14F-4D97-AF65-F5344CB8AC3E}">
-        <p14:creationId xmlns:p14="http://schemas.microsoft.com/office/powerpoint/2010/main" val="3046576433"/>
+        <p14:creationId xmlns:p14="http://schemas.microsoft.com/office/powerpoint/2010/main" val="2820769801"/>
       </p:ext>
     </p:extLst>
   </p:cSld>
@@ -7470,88 +7780,14 @@
         </p:spPr>
         <p:txBody>
           <a:bodyPr>
-            <a:normAutofit lnSpcReduction="10000"/>
+            <a:normAutofit/>
           </a:bodyPr>
           <a:lstStyle/>
           <a:p>
-            <a:pPr marL="0" indent="0">
-              <a:buNone/>
-            </a:pPr>
-            <a:r>
-              <a:rPr lang="en-SG" dirty="0"/>
-              <a:t>sum(L, </a:t>
-            </a:r>
-            <a:r>
-              <a:rPr lang="en-SG" dirty="0" err="1"/>
-              <a:t>i</a:t>
-            </a:r>
-            <a:r>
-              <a:rPr lang="en-SG" dirty="0"/>
-              <a:t>, j) {</a:t>
-            </a:r>
-          </a:p>
-          <a:p>
-            <a:pPr marL="0" indent="0">
-              <a:buNone/>
-            </a:pPr>
-            <a:r>
-              <a:rPr lang="en-SG" dirty="0"/>
-              <a:t>	if ( </a:t>
-            </a:r>
-            <a:r>
-              <a:rPr lang="en-SG" dirty="0" err="1"/>
-              <a:t>i</a:t>
-            </a:r>
-            <a:r>
-              <a:rPr lang="en-SG" dirty="0"/>
-              <a:t> == j ) {</a:t>
-            </a:r>
-          </a:p>
-          <a:p>
-            <a:pPr marL="0" indent="0">
-              <a:buNone/>
-            </a:pPr>
-            <a:r>
-              <a:rPr lang="en-SG" dirty="0"/>
-              <a:t>		return Li;</a:t>
-            </a:r>
-          </a:p>
-          <a:p>
-            <a:pPr marL="0" indent="0">
-              <a:buNone/>
-            </a:pPr>
-            <a:r>
-              <a:rPr lang="en-SG" dirty="0"/>
-              <a:t>	} else {</a:t>
-            </a:r>
-          </a:p>
-          <a:p>
-            <a:pPr marL="0" indent="0">
-              <a:buNone/>
-            </a:pPr>
-            <a:r>
-              <a:rPr lang="en-SG" dirty="0"/>
-              <a:t>		return Li + sum(L, i+1, j);</a:t>
-            </a:r>
-          </a:p>
-          <a:p>
-            <a:pPr marL="0" indent="0">
-              <a:buNone/>
-            </a:pPr>
-            <a:r>
-              <a:rPr lang="en-SG" dirty="0"/>
-              <a:t>	}</a:t>
-            </a:r>
-          </a:p>
-          <a:p>
-            <a:pPr marL="0" indent="0">
-              <a:buNone/>
-            </a:pPr>
-            <a:r>
-              <a:rPr lang="en-SG" dirty="0"/>
-              <a:t>}</a:t>
-            </a:r>
-            <a:endParaRPr lang="en-US" dirty="0"/>
+            <a:r>
+              <a:rPr lang="en-US" dirty="0"/>
+              <a:t>pow(2,3) returns 2^3 = 2 x 2 x 2 = 8</a:t>
+            </a:r>
           </a:p>
         </p:txBody>
       </p:sp>
@@ -7585,121 +7821,13 @@
           <a:p>
             <a:r>
               <a:rPr lang="en-SG" sz="4900" dirty="0"/>
-              <a:t>Problem Set 3.2 (a)</a:t>
+              <a:t>Problem Set 3.2 (b)</a:t>
             </a:r>
             <a:br>
               <a:rPr lang="en-SG" dirty="0"/>
             </a:br>
             <a:r>
               <a:rPr lang="en-US" sz="3600" dirty="0"/>
-              <a:t>Find the sum of all the integers in the list L with k integers (k&gt;0) that is recursive.</a:t>
-            </a:r>
-            <a:endParaRPr lang="en-SG" sz="2700" dirty="0"/>
-          </a:p>
-        </p:txBody>
-      </p:sp>
-    </p:spTree>
-    <p:extLst>
-      <p:ext uri="{BB962C8B-B14F-4D97-AF65-F5344CB8AC3E}">
-        <p14:creationId xmlns:p14="http://schemas.microsoft.com/office/powerpoint/2010/main" val="2820769801"/>
-      </p:ext>
-    </p:extLst>
-  </p:cSld>
-  <p:clrMapOvr>
-    <a:masterClrMapping/>
-  </p:clrMapOvr>
-</p:sld>
-</file>
-
-<file path=ppt/slides/slide17.xml><?xml version="1.0" encoding="utf-8"?>
-<p:sld xmlns:a="http://schemas.openxmlformats.org/drawingml/2006/main" xmlns:r="http://schemas.openxmlformats.org/officeDocument/2006/relationships" xmlns:p="http://schemas.openxmlformats.org/presentationml/2006/main">
-  <p:cSld>
-    <p:spTree>
-      <p:nvGrpSpPr>
-        <p:cNvPr id="1" name=""/>
-        <p:cNvGrpSpPr/>
-        <p:nvPr/>
-      </p:nvGrpSpPr>
-      <p:grpSpPr>
-        <a:xfrm>
-          <a:off x="0" y="0"/>
-          <a:ext cx="0" cy="0"/>
-          <a:chOff x="0" y="0"/>
-          <a:chExt cx="0" cy="0"/>
-        </a:xfrm>
-      </p:grpSpPr>
-      <p:sp>
-        <p:nvSpPr>
-          <p:cNvPr id="31" name="Content Placeholder 2">
-            <a:extLst>
-              <a:ext uri="{FF2B5EF4-FFF2-40B4-BE49-F238E27FC236}">
-                <a16:creationId xmlns:a16="http://schemas.microsoft.com/office/drawing/2014/main" id="{9C0F2BA5-2BCF-4516-9770-B5C9662FE70E}"/>
-              </a:ext>
-            </a:extLst>
-          </p:cNvPr>
-          <p:cNvSpPr>
-            <a:spLocks noGrp="1"/>
-          </p:cNvSpPr>
-          <p:nvPr>
-            <p:ph idx="1"/>
-          </p:nvPr>
-        </p:nvSpPr>
-        <p:spPr>
-          <a:xfrm>
-            <a:off x="1371600" y="2286000"/>
-            <a:ext cx="9601200" cy="3581400"/>
-          </a:xfrm>
-        </p:spPr>
-        <p:txBody>
-          <a:bodyPr>
-            <a:normAutofit/>
-          </a:bodyPr>
-          <a:lstStyle/>
-          <a:p>
-            <a:r>
-              <a:rPr lang="en-US" dirty="0"/>
-              <a:t>pow(2,3) returns 2^3 = 2 x 2 x 2 = 8</a:t>
-            </a:r>
-          </a:p>
-        </p:txBody>
-      </p:sp>
-      <p:sp>
-        <p:nvSpPr>
-          <p:cNvPr id="2" name="Title 1">
-            <a:extLst>
-              <a:ext uri="{FF2B5EF4-FFF2-40B4-BE49-F238E27FC236}">
-                <a16:creationId xmlns:a16="http://schemas.microsoft.com/office/drawing/2014/main" id="{66AF622A-FAD9-45EA-BCF8-32AECDC5B766}"/>
-              </a:ext>
-            </a:extLst>
-          </p:cNvPr>
-          <p:cNvSpPr>
-            <a:spLocks noGrp="1"/>
-          </p:cNvSpPr>
-          <p:nvPr>
-            <p:ph type="title"/>
-          </p:nvPr>
-        </p:nvSpPr>
-        <p:spPr>
-          <a:xfrm>
-            <a:off x="1371600" y="685800"/>
-            <a:ext cx="9601200" cy="1485900"/>
-          </a:xfrm>
-        </p:spPr>
-        <p:txBody>
-          <a:bodyPr>
-            <a:normAutofit fontScale="90000"/>
-          </a:bodyPr>
-          <a:lstStyle/>
-          <a:p>
-            <a:r>
-              <a:rPr lang="en-SG" sz="4900" dirty="0"/>
-              <a:t>Problem Set 3.2 (b)</a:t>
-            </a:r>
-            <a:br>
-              <a:rPr lang="en-SG" dirty="0"/>
-            </a:br>
-            <a:r>
-              <a:rPr lang="en-US" sz="3600" dirty="0"/>
               <a:t>The function pow(</a:t>
             </a:r>
             <a:r>
@@ -7716,7 +7844,7 @@
             </a:r>
             <a:r>
               <a:rPr lang="en-US" sz="3600" dirty="0"/>
-              <a:t>. How to compute recursively.</a:t>
+              <a:t>. How do we compute recursively?</a:t>
             </a:r>
             <a:endParaRPr lang="en-SG" sz="2700" dirty="0"/>
           </a:p>
@@ -7735,7 +7863,7 @@
 </p:sld>
 </file>
 
-<file path=ppt/slides/slide18.xml><?xml version="1.0" encoding="utf-8"?>
+<file path=ppt/slides/slide17.xml><?xml version="1.0" encoding="utf-8"?>
 <p:sld xmlns:a="http://schemas.openxmlformats.org/drawingml/2006/main" xmlns:r="http://schemas.openxmlformats.org/officeDocument/2006/relationships" xmlns:p="http://schemas.openxmlformats.org/presentationml/2006/main">
   <p:cSld>
     <p:bg>
@@ -7817,96 +7945,6 @@
           <a:p>
             <a:pPr algn="ctr"/>
             <a:endParaRPr lang="en-US"/>
-          </a:p>
-        </p:txBody>
-      </p:sp>
-      <p:sp>
-        <p:nvSpPr>
-          <p:cNvPr id="2" name="Title 1">
-            <a:extLst>
-              <a:ext uri="{FF2B5EF4-FFF2-40B4-BE49-F238E27FC236}">
-                <a16:creationId xmlns:a16="http://schemas.microsoft.com/office/drawing/2014/main" id="{66AF622A-FAD9-45EA-BCF8-32AECDC5B766}"/>
-              </a:ext>
-            </a:extLst>
-          </p:cNvPr>
-          <p:cNvSpPr>
-            <a:spLocks noGrp="1"/>
-          </p:cNvSpPr>
-          <p:nvPr>
-            <p:ph type="title"/>
-          </p:nvPr>
-        </p:nvSpPr>
-        <p:spPr>
-          <a:xfrm>
-            <a:off x="8471424" y="1110882"/>
-            <a:ext cx="3053039" cy="1060817"/>
-          </a:xfrm>
-        </p:spPr>
-        <p:txBody>
-          <a:bodyPr anchor="b">
-            <a:normAutofit/>
-          </a:bodyPr>
-          <a:lstStyle/>
-          <a:p>
-            <a:r>
-              <a:rPr lang="en-SG" sz="2800" dirty="0"/>
-              <a:t>Problem Set 3.2 (b)</a:t>
-            </a:r>
-          </a:p>
-        </p:txBody>
-      </p:sp>
-      <p:sp>
-        <p:nvSpPr>
-          <p:cNvPr id="27" name="Content Placeholder 8">
-            <a:extLst>
-              <a:ext uri="{FF2B5EF4-FFF2-40B4-BE49-F238E27FC236}">
-                <a16:creationId xmlns:a16="http://schemas.microsoft.com/office/drawing/2014/main" id="{F46286C6-73D5-498A-9E91-2B5F445FB82A}"/>
-              </a:ext>
-            </a:extLst>
-          </p:cNvPr>
-          <p:cNvSpPr>
-            <a:spLocks noGrp="1"/>
-          </p:cNvSpPr>
-          <p:nvPr>
-            <p:ph idx="1"/>
-          </p:nvPr>
-        </p:nvSpPr>
-        <p:spPr>
-          <a:xfrm>
-            <a:off x="8471423" y="2286000"/>
-            <a:ext cx="3053039" cy="3931920"/>
-          </a:xfrm>
-        </p:spPr>
-        <p:txBody>
-          <a:bodyPr>
-            <a:normAutofit/>
-          </a:bodyPr>
-          <a:lstStyle/>
-          <a:p>
-            <a:pPr marL="0" indent="0">
-              <a:buNone/>
-            </a:pPr>
-            <a:r>
-              <a:rPr lang="en-US" sz="2400" dirty="0"/>
-              <a:t>The function pow(</a:t>
-            </a:r>
-            <a:r>
-              <a:rPr lang="en-US" sz="2400" dirty="0" err="1"/>
-              <a:t>i,j</a:t>
-            </a:r>
-            <a:r>
-              <a:rPr lang="en-US" sz="2400" dirty="0"/>
-              <a:t>) computes </a:t>
-            </a:r>
-            <a:r>
-              <a:rPr lang="en-US" sz="2400" dirty="0" err="1"/>
-              <a:t>i^j</a:t>
-            </a:r>
-            <a:r>
-              <a:rPr lang="en-US" sz="2400" dirty="0"/>
-              <a:t>. How to compute recursively.</a:t>
-            </a:r>
-            <a:endParaRPr lang="en-SG" sz="2400" dirty="0"/>
           </a:p>
         </p:txBody>
       </p:sp>
@@ -7985,12 +8023,62 @@
           </a:ln>
         </p:spPr>
       </p:sp>
+      <p:sp>
+        <p:nvSpPr>
+          <p:cNvPr id="4" name="Title 3">
+            <a:extLst>
+              <a:ext uri="{FF2B5EF4-FFF2-40B4-BE49-F238E27FC236}">
+                <a16:creationId xmlns:a16="http://schemas.microsoft.com/office/drawing/2014/main" id="{1C3B999A-B13B-4893-AD02-AF19A9FECC90}"/>
+              </a:ext>
+            </a:extLst>
+          </p:cNvPr>
+          <p:cNvSpPr>
+            <a:spLocks noGrp="1"/>
+          </p:cNvSpPr>
+          <p:nvPr>
+            <p:ph type="title"/>
+          </p:nvPr>
+        </p:nvSpPr>
+        <p:spPr/>
+        <p:txBody>
+          <a:bodyPr/>
+          <a:lstStyle/>
+          <a:p>
+            <a:endParaRPr lang="en-SG"/>
+          </a:p>
+        </p:txBody>
+      </p:sp>
+      <p:sp>
+        <p:nvSpPr>
+          <p:cNvPr id="6" name="Content Placeholder 5">
+            <a:extLst>
+              <a:ext uri="{FF2B5EF4-FFF2-40B4-BE49-F238E27FC236}">
+                <a16:creationId xmlns:a16="http://schemas.microsoft.com/office/drawing/2014/main" id="{735E5C11-55D6-43F1-BD45-A55195559612}"/>
+              </a:ext>
+            </a:extLst>
+          </p:cNvPr>
+          <p:cNvSpPr>
+            <a:spLocks noGrp="1"/>
+          </p:cNvSpPr>
+          <p:nvPr>
+            <p:ph idx="1"/>
+          </p:nvPr>
+        </p:nvSpPr>
+        <p:spPr/>
+        <p:txBody>
+          <a:bodyPr/>
+          <a:lstStyle/>
+          <a:p>
+            <a:endParaRPr lang="en-SG" dirty="0"/>
+          </a:p>
+        </p:txBody>
+      </p:sp>
       <p:pic>
         <p:nvPicPr>
-          <p:cNvPr id="26" name="Picture 9">
+          <p:cNvPr id="7" name="Picture 6">
             <a:extLst>
               <a:ext uri="{FF2B5EF4-FFF2-40B4-BE49-F238E27FC236}">
-                <a16:creationId xmlns:a16="http://schemas.microsoft.com/office/drawing/2014/main" id="{137384E4-40C2-4FC5-9E89-7BE30D62891B}"/>
+                <a16:creationId xmlns:a16="http://schemas.microsoft.com/office/drawing/2014/main" id="{45A7F2EB-0254-4B5E-824F-C70BA958D5C6}"/>
               </a:ext>
             </a:extLst>
           </p:cNvPr>
@@ -7999,15 +8087,16 @@
           </p:cNvPicPr>
           <p:nvPr/>
         </p:nvPicPr>
-        <p:blipFill rotWithShape="1">
+        <p:blipFill>
           <a:blip r:embed="rId2"/>
-          <a:srcRect l="1" r="-1430"/>
-          <a:stretch/>
+          <a:stretch>
+            <a:fillRect/>
+          </a:stretch>
         </p:blipFill>
         <p:spPr>
           <a:xfrm>
-            <a:off x="237609" y="640080"/>
-            <a:ext cx="8146730" cy="5040000"/>
+            <a:off x="527250" y="189000"/>
+            <a:ext cx="11137500" cy="6480000"/>
           </a:xfrm>
           <a:prstGeom prst="rect">
             <a:avLst/>
@@ -8023,6 +8112,214 @@
   </p:cSld>
   <p:clrMapOvr>
     <a:overrideClrMapping bg1="dk1" tx1="lt1" bg2="dk2" tx2="lt2" accent1="accent1" accent2="accent2" accent3="accent3" accent4="accent4" accent5="accent5" accent6="accent6" hlink="hlink" folHlink="folHlink"/>
+  </p:clrMapOvr>
+</p:sld>
+</file>
+
+<file path=ppt/slides/slide18.xml><?xml version="1.0" encoding="utf-8"?>
+<p:sld xmlns:a="http://schemas.openxmlformats.org/drawingml/2006/main" xmlns:r="http://schemas.openxmlformats.org/officeDocument/2006/relationships" xmlns:p="http://schemas.openxmlformats.org/presentationml/2006/main">
+  <p:cSld>
+    <p:spTree>
+      <p:nvGrpSpPr>
+        <p:cNvPr id="1" name=""/>
+        <p:cNvGrpSpPr/>
+        <p:nvPr/>
+      </p:nvGrpSpPr>
+      <p:grpSpPr>
+        <a:xfrm>
+          <a:off x="0" y="0"/>
+          <a:ext cx="0" cy="0"/>
+          <a:chOff x="0" y="0"/>
+          <a:chExt cx="0" cy="0"/>
+        </a:xfrm>
+      </p:grpSpPr>
+      <p:sp>
+        <p:nvSpPr>
+          <p:cNvPr id="2" name="Title 1">
+            <a:extLst>
+              <a:ext uri="{FF2B5EF4-FFF2-40B4-BE49-F238E27FC236}">
+                <a16:creationId xmlns:a16="http://schemas.microsoft.com/office/drawing/2014/main" id="{3CB3F7EA-C6D4-4913-AB50-ADB68F647906}"/>
+              </a:ext>
+            </a:extLst>
+          </p:cNvPr>
+          <p:cNvSpPr>
+            <a:spLocks noGrp="1"/>
+          </p:cNvSpPr>
+          <p:nvPr>
+            <p:ph type="ctrTitle"/>
+          </p:nvPr>
+        </p:nvSpPr>
+        <p:spPr>
+          <a:xfrm>
+            <a:off x="1915128" y="1788454"/>
+            <a:ext cx="8361229" cy="2098226"/>
+          </a:xfrm>
+        </p:spPr>
+        <p:txBody>
+          <a:bodyPr/>
+          <a:lstStyle/>
+          <a:p>
+            <a:r>
+              <a:rPr lang="en-SG" sz="9600" dirty="0"/>
+              <a:t>Problem sets</a:t>
+            </a:r>
+          </a:p>
+        </p:txBody>
+      </p:sp>
+      <p:sp>
+        <p:nvSpPr>
+          <p:cNvPr id="4" name="AutoShape 2" descr="Image result for gong cha nus">
+            <a:extLst>
+              <a:ext uri="{FF2B5EF4-FFF2-40B4-BE49-F238E27FC236}">
+                <a16:creationId xmlns:a16="http://schemas.microsoft.com/office/drawing/2014/main" id="{943BFA35-D113-4E70-8747-61669A1E3B02}"/>
+              </a:ext>
+            </a:extLst>
+          </p:cNvPr>
+          <p:cNvSpPr>
+            <a:spLocks noChangeAspect="1" noChangeArrowheads="1"/>
+          </p:cNvSpPr>
+          <p:nvPr/>
+        </p:nvSpPr>
+        <p:spPr bwMode="auto">
+          <a:xfrm>
+            <a:off x="3105150" y="1747838"/>
+            <a:ext cx="5981700" cy="3362325"/>
+          </a:xfrm>
+          <a:prstGeom prst="rect">
+            <a:avLst/>
+          </a:prstGeom>
+          <a:noFill/>
+          <a:extLst>
+            <a:ext uri="{909E8E84-426E-40DD-AFC4-6F175D3DCCD1}">
+              <a14:hiddenFill xmlns:a14="http://schemas.microsoft.com/office/drawing/2010/main">
+                <a:solidFill>
+                  <a:srgbClr val="FFFFFF"/>
+                </a:solidFill>
+              </a14:hiddenFill>
+            </a:ext>
+          </a:extLst>
+        </p:spPr>
+        <p:txBody>
+          <a:bodyPr vert="horz" wrap="square" lIns="91440" tIns="45720" rIns="91440" bIns="45720" numCol="1" anchor="t" anchorCtr="0" compatLnSpc="1">
+            <a:prstTxWarp prst="textNoShape">
+              <a:avLst/>
+            </a:prstTxWarp>
+          </a:bodyPr>
+          <a:lstStyle/>
+          <a:p>
+            <a:endParaRPr lang="en-SG"/>
+          </a:p>
+        </p:txBody>
+      </p:sp>
+      <p:sp>
+        <p:nvSpPr>
+          <p:cNvPr id="5" name="AutoShape 4" descr="Image result for gong cha nus">
+            <a:extLst>
+              <a:ext uri="{FF2B5EF4-FFF2-40B4-BE49-F238E27FC236}">
+                <a16:creationId xmlns:a16="http://schemas.microsoft.com/office/drawing/2014/main" id="{7E6627FC-FBA5-4808-B20D-C2380A27245A}"/>
+              </a:ext>
+            </a:extLst>
+          </p:cNvPr>
+          <p:cNvSpPr>
+            <a:spLocks noChangeAspect="1" noChangeArrowheads="1"/>
+          </p:cNvSpPr>
+          <p:nvPr/>
+        </p:nvSpPr>
+        <p:spPr bwMode="auto">
+          <a:xfrm>
+            <a:off x="3257550" y="1900238"/>
+            <a:ext cx="5981700" cy="3362325"/>
+          </a:xfrm>
+          <a:prstGeom prst="rect">
+            <a:avLst/>
+          </a:prstGeom>
+          <a:noFill/>
+          <a:extLst>
+            <a:ext uri="{909E8E84-426E-40DD-AFC4-6F175D3DCCD1}">
+              <a14:hiddenFill xmlns:a14="http://schemas.microsoft.com/office/drawing/2010/main">
+                <a:solidFill>
+                  <a:srgbClr val="FFFFFF"/>
+                </a:solidFill>
+              </a14:hiddenFill>
+            </a:ext>
+          </a:extLst>
+        </p:spPr>
+        <p:txBody>
+          <a:bodyPr vert="horz" wrap="square" lIns="91440" tIns="45720" rIns="91440" bIns="45720" numCol="1" anchor="t" anchorCtr="0" compatLnSpc="1">
+            <a:prstTxWarp prst="textNoShape">
+              <a:avLst/>
+            </a:prstTxWarp>
+          </a:bodyPr>
+          <a:lstStyle/>
+          <a:p>
+            <a:endParaRPr lang="en-SG"/>
+          </a:p>
+        </p:txBody>
+      </p:sp>
+      <p:sp>
+        <p:nvSpPr>
+          <p:cNvPr id="8" name="Subtitle 2">
+            <a:extLst>
+              <a:ext uri="{FF2B5EF4-FFF2-40B4-BE49-F238E27FC236}">
+                <a16:creationId xmlns:a16="http://schemas.microsoft.com/office/drawing/2014/main" id="{BEC7D028-D5EE-4DEA-A3DF-A37DDF18BC37}"/>
+              </a:ext>
+            </a:extLst>
+          </p:cNvPr>
+          <p:cNvSpPr>
+            <a:spLocks noGrp="1"/>
+          </p:cNvSpPr>
+          <p:nvPr>
+            <p:ph type="subTitle" idx="1"/>
+          </p:nvPr>
+        </p:nvSpPr>
+        <p:spPr>
+          <a:xfrm>
+            <a:off x="2679906" y="3956279"/>
+            <a:ext cx="6831673" cy="1086237"/>
+          </a:xfrm>
+        </p:spPr>
+        <p:txBody>
+          <a:bodyPr>
+            <a:normAutofit/>
+          </a:bodyPr>
+          <a:lstStyle/>
+          <a:p>
+            <a:r>
+              <a:rPr lang="en-SG" sz="4000" dirty="0">
+                <a:solidFill>
+                  <a:schemeClr val="tx1"/>
+                </a:solidFill>
+              </a:rPr>
+              <a:t>3.1, 3.2(b), </a:t>
+            </a:r>
+            <a:r>
+              <a:rPr lang="en-SG" sz="4000" b="1" dirty="0">
+                <a:solidFill>
+                  <a:srgbClr val="00B050"/>
+                </a:solidFill>
+              </a:rPr>
+              <a:t>5.1</a:t>
+            </a:r>
+            <a:r>
+              <a:rPr lang="en-SG" sz="4000" dirty="0">
+                <a:solidFill>
+                  <a:schemeClr val="tx1"/>
+                </a:solidFill>
+              </a:rPr>
+              <a:t>, 5.2</a:t>
+            </a:r>
+          </a:p>
+        </p:txBody>
+      </p:sp>
+    </p:spTree>
+    <p:extLst>
+      <p:ext uri="{BB962C8B-B14F-4D97-AF65-F5344CB8AC3E}">
+        <p14:creationId xmlns:p14="http://schemas.microsoft.com/office/powerpoint/2010/main" val="2188602850"/>
+      </p:ext>
+    </p:extLst>
+  </p:cSld>
+  <p:clrMapOvr>
+    <a:masterClrMapping/>
   </p:clrMapOvr>
 </p:sld>
 </file>
@@ -8046,10 +8343,218 @@
       </p:grpSpPr>
       <p:sp>
         <p:nvSpPr>
+          <p:cNvPr id="31" name="Content Placeholder 2">
+            <a:extLst>
+              <a:ext uri="{FF2B5EF4-FFF2-40B4-BE49-F238E27FC236}">
+                <a16:creationId xmlns:a16="http://schemas.microsoft.com/office/drawing/2014/main" id="{9C0F2BA5-2BCF-4516-9770-B5C9662FE70E}"/>
+              </a:ext>
+            </a:extLst>
+          </p:cNvPr>
+          <p:cNvSpPr>
+            <a:spLocks noGrp="1"/>
+          </p:cNvSpPr>
+          <p:nvPr>
+            <p:ph idx="1"/>
+          </p:nvPr>
+        </p:nvSpPr>
+        <p:spPr>
+          <a:xfrm>
+            <a:off x="1371600" y="2286000"/>
+            <a:ext cx="9601200" cy="3581400"/>
+          </a:xfrm>
+        </p:spPr>
+        <p:txBody>
+          <a:bodyPr>
+            <a:normAutofit/>
+          </a:bodyPr>
+          <a:lstStyle/>
+          <a:p>
+            <a:pPr marL="0" indent="0">
+              <a:buNone/>
+            </a:pPr>
+            <a:r>
+              <a:rPr lang="en-SG" dirty="0">
+                <a:solidFill>
+                  <a:srgbClr val="3E61A2"/>
+                </a:solidFill>
+                <a:latin typeface="Monaco" pitchFamily="2" charset="77"/>
+              </a:rPr>
+              <a:t>double</a:t>
+            </a:r>
+            <a:r>
+              <a:rPr lang="en-SG" dirty="0">
+                <a:latin typeface="Monaco" pitchFamily="2" charset="77"/>
+              </a:rPr>
+              <a:t> </a:t>
+            </a:r>
+            <a:r>
+              <a:rPr lang="en-SG" dirty="0">
+                <a:solidFill>
+                  <a:srgbClr val="C2185B"/>
+                </a:solidFill>
+                <a:latin typeface="Monaco" pitchFamily="2" charset="77"/>
+              </a:rPr>
+              <a:t>sqrt</a:t>
+            </a:r>
+            <a:r>
+              <a:rPr lang="en-SG" dirty="0">
+                <a:latin typeface="Monaco" pitchFamily="2" charset="77"/>
+              </a:rPr>
+              <a:t>(</a:t>
+            </a:r>
+            <a:r>
+              <a:rPr lang="en-SG" dirty="0">
+                <a:solidFill>
+                  <a:srgbClr val="3E61A2"/>
+                </a:solidFill>
+                <a:latin typeface="Monaco" pitchFamily="2" charset="77"/>
+              </a:rPr>
+              <a:t>double</a:t>
+            </a:r>
+            <a:r>
+              <a:rPr lang="en-SG" dirty="0">
+                <a:latin typeface="Monaco" pitchFamily="2" charset="77"/>
+              </a:rPr>
+              <a:t> x);</a:t>
+            </a:r>
+          </a:p>
+          <a:p>
+            <a:pPr marL="0" indent="0">
+              <a:buNone/>
+            </a:pPr>
+            <a:endParaRPr lang="en-SG" dirty="0">
+              <a:latin typeface="Monaco" pitchFamily="2" charset="77"/>
+            </a:endParaRPr>
+          </a:p>
+          <a:p>
+            <a:pPr marL="0" indent="0">
+              <a:buNone/>
+            </a:pPr>
+            <a:r>
+              <a:rPr lang="en-SG" dirty="0">
+                <a:solidFill>
+                  <a:srgbClr val="3E61A2"/>
+                </a:solidFill>
+                <a:latin typeface="Monaco" pitchFamily="2" charset="77"/>
+              </a:rPr>
+              <a:t>double</a:t>
+            </a:r>
+            <a:r>
+              <a:rPr lang="en-SG" dirty="0">
+                <a:latin typeface="Monaco" pitchFamily="2" charset="77"/>
+              </a:rPr>
+              <a:t> </a:t>
+            </a:r>
+            <a:br>
+              <a:rPr lang="en-SG" dirty="0">
+                <a:latin typeface="Monaco" pitchFamily="2" charset="77"/>
+              </a:rPr>
+            </a:br>
+            <a:r>
+              <a:rPr lang="en-SG" dirty="0" err="1">
+                <a:solidFill>
+                  <a:srgbClr val="C2185B"/>
+                </a:solidFill>
+                <a:latin typeface="Monaco" pitchFamily="2" charset="77"/>
+              </a:rPr>
+              <a:t>hypotenuse_of</a:t>
+            </a:r>
+            <a:r>
+              <a:rPr lang="en-SG" dirty="0">
+                <a:latin typeface="Monaco" pitchFamily="2" charset="77"/>
+              </a:rPr>
+              <a:t>(</a:t>
+            </a:r>
+            <a:r>
+              <a:rPr lang="en-SG" dirty="0">
+                <a:solidFill>
+                  <a:srgbClr val="3E61A2"/>
+                </a:solidFill>
+                <a:latin typeface="Monaco" pitchFamily="2" charset="77"/>
+              </a:rPr>
+              <a:t>long</a:t>
+            </a:r>
+            <a:r>
+              <a:rPr lang="en-SG" dirty="0">
+                <a:latin typeface="Monaco" pitchFamily="2" charset="77"/>
+              </a:rPr>
+              <a:t> base, </a:t>
+            </a:r>
+            <a:r>
+              <a:rPr lang="en-SG" dirty="0">
+                <a:solidFill>
+                  <a:srgbClr val="3E61A2"/>
+                </a:solidFill>
+                <a:latin typeface="Monaco" pitchFamily="2" charset="77"/>
+              </a:rPr>
+              <a:t>long</a:t>
+            </a:r>
+            <a:r>
+              <a:rPr lang="en-SG" dirty="0">
+                <a:latin typeface="Monaco" pitchFamily="2" charset="77"/>
+              </a:rPr>
+              <a:t> height) </a:t>
+            </a:r>
+            <a:br>
+              <a:rPr lang="en-SG" dirty="0">
+                <a:latin typeface="Monaco" pitchFamily="2" charset="77"/>
+              </a:rPr>
+            </a:br>
+            <a:r>
+              <a:rPr lang="en-SG" dirty="0">
+                <a:latin typeface="Monaco" pitchFamily="2" charset="77"/>
+              </a:rPr>
+              <a:t>{ </a:t>
+            </a:r>
+            <a:br>
+              <a:rPr lang="en-SG" dirty="0">
+                <a:latin typeface="Monaco" pitchFamily="2" charset="77"/>
+              </a:rPr>
+            </a:br>
+            <a:r>
+              <a:rPr lang="en-SG" dirty="0">
+                <a:latin typeface="Monaco" pitchFamily="2" charset="77"/>
+              </a:rPr>
+              <a:t>  </a:t>
+            </a:r>
+            <a:r>
+              <a:rPr lang="en-SG" dirty="0">
+                <a:solidFill>
+                  <a:srgbClr val="3B78E7"/>
+                </a:solidFill>
+                <a:latin typeface="Monaco" pitchFamily="2" charset="77"/>
+              </a:rPr>
+              <a:t>return</a:t>
+            </a:r>
+            <a:r>
+              <a:rPr lang="en-SG" dirty="0">
+                <a:latin typeface="Monaco" pitchFamily="2" charset="77"/>
+              </a:rPr>
+              <a:t> sqrt(square(base) + square(height)); </a:t>
+            </a:r>
+            <a:br>
+              <a:rPr lang="en-SG" dirty="0">
+                <a:latin typeface="Monaco" pitchFamily="2" charset="77"/>
+              </a:rPr>
+            </a:br>
+            <a:r>
+              <a:rPr lang="en-SG" dirty="0">
+                <a:latin typeface="Monaco" pitchFamily="2" charset="77"/>
+              </a:rPr>
+              <a:t>}</a:t>
+            </a:r>
+            <a:endParaRPr lang="en-US" dirty="0">
+              <a:latin typeface="Monaco" pitchFamily="2" charset="77"/>
+            </a:endParaRPr>
+          </a:p>
+        </p:txBody>
+      </p:sp>
+      <p:sp>
+        <p:nvSpPr>
           <p:cNvPr id="2" name="Title 1">
             <a:extLst>
               <a:ext uri="{FF2B5EF4-FFF2-40B4-BE49-F238E27FC236}">
-                <a16:creationId xmlns:a16="http://schemas.microsoft.com/office/drawing/2014/main" id="{3CB3F7EA-C6D4-4913-AB50-ADB68F647906}"/>
+                <a16:creationId xmlns:a16="http://schemas.microsoft.com/office/drawing/2014/main" id="{66AF622A-FAD9-45EA-BCF8-32AECDC5B766}"/>
               </a:ext>
             </a:extLst>
           </p:cNvPr>
@@ -8057,175 +8562,52 @@
             <a:spLocks noGrp="1"/>
           </p:cNvSpPr>
           <p:nvPr>
-            <p:ph type="ctrTitle"/>
+            <p:ph type="title"/>
           </p:nvPr>
         </p:nvSpPr>
         <p:spPr>
           <a:xfrm>
-            <a:off x="1915128" y="1788454"/>
-            <a:ext cx="8361229" cy="2098226"/>
+            <a:off x="1371600" y="685800"/>
+            <a:ext cx="9601200" cy="1485900"/>
           </a:xfrm>
         </p:spPr>
         <p:txBody>
-          <a:bodyPr/>
-          <a:lstStyle/>
-          <a:p>
-            <a:r>
-              <a:rPr lang="en-SG" sz="9600" dirty="0"/>
-              <a:t>Problem sets</a:t>
-            </a:r>
-          </a:p>
-        </p:txBody>
-      </p:sp>
-      <p:sp>
-        <p:nvSpPr>
-          <p:cNvPr id="4" name="AutoShape 2" descr="Image result for gong cha nus">
-            <a:extLst>
-              <a:ext uri="{FF2B5EF4-FFF2-40B4-BE49-F238E27FC236}">
-                <a16:creationId xmlns:a16="http://schemas.microsoft.com/office/drawing/2014/main" id="{943BFA35-D113-4E70-8747-61669A1E3B02}"/>
-              </a:ext>
-            </a:extLst>
-          </p:cNvPr>
-          <p:cNvSpPr>
-            <a:spLocks noChangeAspect="1" noChangeArrowheads="1"/>
-          </p:cNvSpPr>
-          <p:nvPr/>
-        </p:nvSpPr>
-        <p:spPr bwMode="auto">
-          <a:xfrm>
-            <a:off x="3105150" y="1747838"/>
-            <a:ext cx="5981700" cy="3362325"/>
-          </a:xfrm>
-          <a:prstGeom prst="rect">
-            <a:avLst/>
-          </a:prstGeom>
-          <a:noFill/>
-          <a:extLst>
-            <a:ext uri="{909E8E84-426E-40DD-AFC4-6F175D3DCCD1}">
-              <a14:hiddenFill xmlns:a14="http://schemas.microsoft.com/office/drawing/2010/main">
-                <a:solidFill>
-                  <a:srgbClr val="FFFFFF"/>
-                </a:solidFill>
-              </a14:hiddenFill>
-            </a:ext>
-          </a:extLst>
-        </p:spPr>
-        <p:txBody>
-          <a:bodyPr vert="horz" wrap="square" lIns="91440" tIns="45720" rIns="91440" bIns="45720" numCol="1" anchor="t" anchorCtr="0" compatLnSpc="1">
-            <a:prstTxWarp prst="textNoShape">
-              <a:avLst/>
-            </a:prstTxWarp>
+          <a:bodyPr>
+            <a:normAutofit fontScale="90000"/>
           </a:bodyPr>
           <a:lstStyle/>
           <a:p>
-            <a:endParaRPr lang="en-SG"/>
-          </a:p>
-        </p:txBody>
-      </p:sp>
-      <p:sp>
-        <p:nvSpPr>
-          <p:cNvPr id="5" name="AutoShape 4" descr="Image result for gong cha nus">
-            <a:extLst>
-              <a:ext uri="{FF2B5EF4-FFF2-40B4-BE49-F238E27FC236}">
-                <a16:creationId xmlns:a16="http://schemas.microsoft.com/office/drawing/2014/main" id="{7E6627FC-FBA5-4808-B20D-C2380A27245A}"/>
-              </a:ext>
-            </a:extLst>
-          </p:cNvPr>
-          <p:cNvSpPr>
-            <a:spLocks noChangeAspect="1" noChangeArrowheads="1"/>
-          </p:cNvSpPr>
-          <p:nvPr/>
-        </p:nvSpPr>
-        <p:spPr bwMode="auto">
-          <a:xfrm>
-            <a:off x="3257550" y="1900238"/>
-            <a:ext cx="5981700" cy="3362325"/>
-          </a:xfrm>
-          <a:prstGeom prst="rect">
-            <a:avLst/>
-          </a:prstGeom>
-          <a:noFill/>
-          <a:extLst>
-            <a:ext uri="{909E8E84-426E-40DD-AFC4-6F175D3DCCD1}">
-              <a14:hiddenFill xmlns:a14="http://schemas.microsoft.com/office/drawing/2010/main">
-                <a:solidFill>
-                  <a:srgbClr val="FFFFFF"/>
-                </a:solidFill>
-              </a14:hiddenFill>
-            </a:ext>
-          </a:extLst>
-        </p:spPr>
-        <p:txBody>
-          <a:bodyPr vert="horz" wrap="square" lIns="91440" tIns="45720" rIns="91440" bIns="45720" numCol="1" anchor="t" anchorCtr="0" compatLnSpc="1">
-            <a:prstTxWarp prst="textNoShape">
-              <a:avLst/>
-            </a:prstTxWarp>
-          </a:bodyPr>
-          <a:lstStyle/>
-          <a:p>
-            <a:endParaRPr lang="en-SG"/>
-          </a:p>
-        </p:txBody>
-      </p:sp>
-      <p:sp>
-        <p:nvSpPr>
-          <p:cNvPr id="8" name="Subtitle 2">
-            <a:extLst>
-              <a:ext uri="{FF2B5EF4-FFF2-40B4-BE49-F238E27FC236}">
-                <a16:creationId xmlns:a16="http://schemas.microsoft.com/office/drawing/2014/main" id="{BEC7D028-D5EE-4DEA-A3DF-A37DDF18BC37}"/>
-              </a:ext>
-            </a:extLst>
-          </p:cNvPr>
-          <p:cNvSpPr>
-            <a:spLocks noGrp="1"/>
-          </p:cNvSpPr>
-          <p:nvPr>
-            <p:ph type="subTitle" idx="1"/>
-          </p:nvPr>
-        </p:nvSpPr>
-        <p:spPr>
-          <a:xfrm>
-            <a:off x="2679906" y="3956279"/>
-            <a:ext cx="6831673" cy="1086237"/>
-          </a:xfrm>
-        </p:spPr>
-        <p:txBody>
-          <a:bodyPr>
-            <a:normAutofit/>
-          </a:bodyPr>
-          <a:lstStyle/>
-          <a:p>
-            <a:r>
-              <a:rPr lang="en-SG" sz="4000" dirty="0">
-                <a:solidFill>
-                  <a:schemeClr val="tx1"/>
-                </a:solidFill>
-              </a:rPr>
-              <a:t>3.1, 3.2(b), </a:t>
-            </a:r>
-            <a:r>
-              <a:rPr lang="en-SG" sz="4000" b="1" dirty="0">
+            <a:r>
+              <a:rPr lang="en-SG" sz="4900" dirty="0"/>
+              <a:t>Problem Set 5.1</a:t>
+            </a:r>
+            <a:br>
+              <a:rPr lang="en-SG" sz="4900" dirty="0"/>
+            </a:br>
+            <a:r>
+              <a:rPr lang="en-US" sz="3600" dirty="0"/>
+              <a:t>Would passing an int into </a:t>
+            </a:r>
+            <a:r>
+              <a:rPr lang="en-US" sz="3600" b="1" dirty="0">
                 <a:solidFill>
                   <a:srgbClr val="00B050"/>
                 </a:solidFill>
               </a:rPr>
-              <a:t>5.1</a:t>
-            </a:r>
-            <a:r>
-              <a:rPr lang="en-SG" sz="4000" dirty="0">
-                <a:solidFill>
-                  <a:schemeClr val="tx1"/>
-                </a:solidFill>
-              </a:rPr>
-              <a:t>, 5.2</a:t>
-            </a:r>
+              <a:t>sqrt(…) </a:t>
+            </a:r>
+            <a:r>
+              <a:rPr lang="en-US" sz="3600" dirty="0"/>
+              <a:t>result in an error?</a:t>
+            </a:r>
+            <a:endParaRPr lang="en-SG" sz="2700" dirty="0"/>
           </a:p>
         </p:txBody>
       </p:sp>
     </p:spTree>
     <p:extLst>
       <p:ext uri="{BB962C8B-B14F-4D97-AF65-F5344CB8AC3E}">
-        <p14:creationId xmlns:p14="http://schemas.microsoft.com/office/powerpoint/2010/main" val="2188602850"/>
+        <p14:creationId xmlns:p14="http://schemas.microsoft.com/office/powerpoint/2010/main" val="1367235358"/>
       </p:ext>
     </p:extLst>
   </p:cSld>
@@ -8613,299 +8995,6 @@
         </p:spPr>
         <p:txBody>
           <a:bodyPr>
-            <a:normAutofit fontScale="90000"/>
-          </a:bodyPr>
-          <a:lstStyle/>
-          <a:p>
-            <a:r>
-              <a:rPr lang="en-SG" sz="4900" dirty="0"/>
-              <a:t>Problem Set 5.1</a:t>
-            </a:r>
-            <a:br>
-              <a:rPr lang="en-SG" sz="4900" dirty="0"/>
-            </a:br>
-            <a:r>
-              <a:rPr lang="en-US" sz="3600" dirty="0"/>
-              <a:t>Would passing an int into </a:t>
-            </a:r>
-            <a:r>
-              <a:rPr lang="en-US" sz="3600" b="1" dirty="0">
-                <a:solidFill>
-                  <a:srgbClr val="00B050"/>
-                </a:solidFill>
-              </a:rPr>
-              <a:t>sqrt(…) </a:t>
-            </a:r>
-            <a:r>
-              <a:rPr lang="en-US" sz="3600" dirty="0"/>
-              <a:t>result in an error?</a:t>
-            </a:r>
-            <a:endParaRPr lang="en-SG" sz="2700" dirty="0"/>
-          </a:p>
-        </p:txBody>
-      </p:sp>
-    </p:spTree>
-    <p:extLst>
-      <p:ext uri="{BB962C8B-B14F-4D97-AF65-F5344CB8AC3E}">
-        <p14:creationId xmlns:p14="http://schemas.microsoft.com/office/powerpoint/2010/main" val="1367235358"/>
-      </p:ext>
-    </p:extLst>
-  </p:cSld>
-  <p:clrMapOvr>
-    <a:masterClrMapping/>
-  </p:clrMapOvr>
-</p:sld>
-</file>
-
-<file path=ppt/slides/slide21.xml><?xml version="1.0" encoding="utf-8"?>
-<p:sld xmlns:a="http://schemas.openxmlformats.org/drawingml/2006/main" xmlns:r="http://schemas.openxmlformats.org/officeDocument/2006/relationships" xmlns:p="http://schemas.openxmlformats.org/presentationml/2006/main">
-  <p:cSld>
-    <p:spTree>
-      <p:nvGrpSpPr>
-        <p:cNvPr id="1" name=""/>
-        <p:cNvGrpSpPr/>
-        <p:nvPr/>
-      </p:nvGrpSpPr>
-      <p:grpSpPr>
-        <a:xfrm>
-          <a:off x="0" y="0"/>
-          <a:ext cx="0" cy="0"/>
-          <a:chOff x="0" y="0"/>
-          <a:chExt cx="0" cy="0"/>
-        </a:xfrm>
-      </p:grpSpPr>
-      <p:sp>
-        <p:nvSpPr>
-          <p:cNvPr id="31" name="Content Placeholder 2">
-            <a:extLst>
-              <a:ext uri="{FF2B5EF4-FFF2-40B4-BE49-F238E27FC236}">
-                <a16:creationId xmlns:a16="http://schemas.microsoft.com/office/drawing/2014/main" id="{9C0F2BA5-2BCF-4516-9770-B5C9662FE70E}"/>
-              </a:ext>
-            </a:extLst>
-          </p:cNvPr>
-          <p:cNvSpPr>
-            <a:spLocks noGrp="1"/>
-          </p:cNvSpPr>
-          <p:nvPr>
-            <p:ph idx="1"/>
-          </p:nvPr>
-        </p:nvSpPr>
-        <p:spPr>
-          <a:xfrm>
-            <a:off x="1371600" y="2286000"/>
-            <a:ext cx="9601200" cy="3581400"/>
-          </a:xfrm>
-        </p:spPr>
-        <p:txBody>
-          <a:bodyPr>
-            <a:normAutofit/>
-          </a:bodyPr>
-          <a:lstStyle/>
-          <a:p>
-            <a:pPr marL="0" indent="0">
-              <a:buNone/>
-            </a:pPr>
-            <a:r>
-              <a:rPr lang="en-SG" dirty="0">
-                <a:solidFill>
-                  <a:srgbClr val="3E61A2"/>
-                </a:solidFill>
-                <a:latin typeface="Monaco" pitchFamily="2" charset="77"/>
-              </a:rPr>
-              <a:t>double</a:t>
-            </a:r>
-            <a:r>
-              <a:rPr lang="en-SG" dirty="0">
-                <a:latin typeface="Monaco" pitchFamily="2" charset="77"/>
-              </a:rPr>
-              <a:t> </a:t>
-            </a:r>
-            <a:r>
-              <a:rPr lang="en-SG" dirty="0">
-                <a:solidFill>
-                  <a:srgbClr val="C2185B"/>
-                </a:solidFill>
-                <a:latin typeface="Monaco" pitchFamily="2" charset="77"/>
-              </a:rPr>
-              <a:t>sqrt</a:t>
-            </a:r>
-            <a:r>
-              <a:rPr lang="en-SG" dirty="0">
-                <a:latin typeface="Monaco" pitchFamily="2" charset="77"/>
-              </a:rPr>
-              <a:t>(</a:t>
-            </a:r>
-            <a:r>
-              <a:rPr lang="en-SG" dirty="0">
-                <a:solidFill>
-                  <a:srgbClr val="3E61A2"/>
-                </a:solidFill>
-                <a:latin typeface="Monaco" pitchFamily="2" charset="77"/>
-              </a:rPr>
-              <a:t>double</a:t>
-            </a:r>
-            <a:r>
-              <a:rPr lang="en-SG" dirty="0">
-                <a:latin typeface="Monaco" pitchFamily="2" charset="77"/>
-              </a:rPr>
-              <a:t> x);</a:t>
-            </a:r>
-          </a:p>
-          <a:p>
-            <a:pPr marL="0" indent="0">
-              <a:buNone/>
-            </a:pPr>
-            <a:endParaRPr lang="en-SG" dirty="0">
-              <a:latin typeface="Monaco" pitchFamily="2" charset="77"/>
-            </a:endParaRPr>
-          </a:p>
-          <a:p>
-            <a:pPr marL="0" indent="0">
-              <a:buNone/>
-            </a:pPr>
-            <a:r>
-              <a:rPr lang="en-SG" dirty="0">
-                <a:solidFill>
-                  <a:srgbClr val="3E61A2"/>
-                </a:solidFill>
-                <a:latin typeface="Monaco" pitchFamily="2" charset="77"/>
-              </a:rPr>
-              <a:t>double</a:t>
-            </a:r>
-            <a:r>
-              <a:rPr lang="en-SG" dirty="0">
-                <a:latin typeface="Monaco" pitchFamily="2" charset="77"/>
-              </a:rPr>
-              <a:t> </a:t>
-            </a:r>
-            <a:br>
-              <a:rPr lang="en-SG" dirty="0">
-                <a:latin typeface="Monaco" pitchFamily="2" charset="77"/>
-              </a:rPr>
-            </a:br>
-            <a:r>
-              <a:rPr lang="en-SG" dirty="0" err="1">
-                <a:solidFill>
-                  <a:srgbClr val="C2185B"/>
-                </a:solidFill>
-                <a:latin typeface="Monaco" pitchFamily="2" charset="77"/>
-              </a:rPr>
-              <a:t>hypotenuse_of</a:t>
-            </a:r>
-            <a:r>
-              <a:rPr lang="en-SG" dirty="0">
-                <a:latin typeface="Monaco" pitchFamily="2" charset="77"/>
-              </a:rPr>
-              <a:t>(</a:t>
-            </a:r>
-            <a:r>
-              <a:rPr lang="en-SG" dirty="0">
-                <a:solidFill>
-                  <a:srgbClr val="3E61A2"/>
-                </a:solidFill>
-                <a:latin typeface="Monaco" pitchFamily="2" charset="77"/>
-              </a:rPr>
-              <a:t>long</a:t>
-            </a:r>
-            <a:r>
-              <a:rPr lang="en-SG" dirty="0">
-                <a:latin typeface="Monaco" pitchFamily="2" charset="77"/>
-              </a:rPr>
-              <a:t> base, </a:t>
-            </a:r>
-            <a:r>
-              <a:rPr lang="en-SG" dirty="0">
-                <a:solidFill>
-                  <a:srgbClr val="3E61A2"/>
-                </a:solidFill>
-                <a:latin typeface="Monaco" pitchFamily="2" charset="77"/>
-              </a:rPr>
-              <a:t>long</a:t>
-            </a:r>
-            <a:r>
-              <a:rPr lang="en-SG" dirty="0">
-                <a:latin typeface="Monaco" pitchFamily="2" charset="77"/>
-              </a:rPr>
-              <a:t> height) </a:t>
-            </a:r>
-            <a:br>
-              <a:rPr lang="en-SG" dirty="0">
-                <a:latin typeface="Monaco" pitchFamily="2" charset="77"/>
-              </a:rPr>
-            </a:br>
-            <a:r>
-              <a:rPr lang="en-SG" dirty="0">
-                <a:latin typeface="Monaco" pitchFamily="2" charset="77"/>
-              </a:rPr>
-              <a:t>{ </a:t>
-            </a:r>
-            <a:br>
-              <a:rPr lang="en-SG" dirty="0">
-                <a:latin typeface="Monaco" pitchFamily="2" charset="77"/>
-              </a:rPr>
-            </a:br>
-            <a:r>
-              <a:rPr lang="en-SG" dirty="0">
-                <a:latin typeface="Monaco" pitchFamily="2" charset="77"/>
-              </a:rPr>
-              <a:t>  </a:t>
-            </a:r>
-            <a:r>
-              <a:rPr lang="en-SG" dirty="0">
-                <a:solidFill>
-                  <a:srgbClr val="3B78E7"/>
-                </a:solidFill>
-                <a:latin typeface="Monaco" pitchFamily="2" charset="77"/>
-              </a:rPr>
-              <a:t>return</a:t>
-            </a:r>
-            <a:r>
-              <a:rPr lang="en-SG" dirty="0">
-                <a:latin typeface="Monaco" pitchFamily="2" charset="77"/>
-              </a:rPr>
-              <a:t> sqrt(square(base) + square(height)); </a:t>
-            </a:r>
-            <a:br>
-              <a:rPr lang="en-SG" dirty="0">
-                <a:latin typeface="Monaco" pitchFamily="2" charset="77"/>
-              </a:rPr>
-            </a:br>
-            <a:r>
-              <a:rPr lang="en-SG" dirty="0">
-                <a:latin typeface="Monaco" pitchFamily="2" charset="77"/>
-              </a:rPr>
-              <a:t>}</a:t>
-            </a:r>
-            <a:endParaRPr lang="en-US" dirty="0">
-              <a:latin typeface="Monaco" pitchFamily="2" charset="77"/>
-            </a:endParaRPr>
-          </a:p>
-        </p:txBody>
-      </p:sp>
-      <p:sp>
-        <p:nvSpPr>
-          <p:cNvPr id="2" name="Title 1">
-            <a:extLst>
-              <a:ext uri="{FF2B5EF4-FFF2-40B4-BE49-F238E27FC236}">
-                <a16:creationId xmlns:a16="http://schemas.microsoft.com/office/drawing/2014/main" id="{66AF622A-FAD9-45EA-BCF8-32AECDC5B766}"/>
-              </a:ext>
-            </a:extLst>
-          </p:cNvPr>
-          <p:cNvSpPr>
-            <a:spLocks noGrp="1"/>
-          </p:cNvSpPr>
-          <p:nvPr>
-            <p:ph type="title"/>
-          </p:nvPr>
-        </p:nvSpPr>
-        <p:spPr>
-          <a:xfrm>
-            <a:off x="1371600" y="685800"/>
-            <a:ext cx="9601200" cy="1485900"/>
-          </a:xfrm>
-        </p:spPr>
-        <p:txBody>
-          <a:bodyPr>
             <a:normAutofit/>
           </a:bodyPr>
           <a:lstStyle/>
@@ -8938,7 +9027,7 @@
 </p:sld>
 </file>
 
-<file path=ppt/slides/slide22.xml><?xml version="1.0" encoding="utf-8"?>
+<file path=ppt/slides/slide21.xml><?xml version="1.0" encoding="utf-8"?>
 <p:sld xmlns:a="http://schemas.openxmlformats.org/drawingml/2006/main" xmlns:r="http://schemas.openxmlformats.org/officeDocument/2006/relationships" xmlns:p="http://schemas.openxmlformats.org/presentationml/2006/main">
   <p:cSld>
     <p:bg>
@@ -9378,8 +9467,8 @@
         </p:blipFill>
         <p:spPr>
           <a:xfrm>
-            <a:off x="228807" y="640080"/>
-            <a:ext cx="8047743" cy="5040000"/>
+            <a:off x="922451" y="189000"/>
+            <a:ext cx="10347098" cy="6480000"/>
           </a:xfrm>
           <a:prstGeom prst="rect">
             <a:avLst/>
@@ -9399,7 +9488,7 @@
 </p:sld>
 </file>
 
-<file path=ppt/slides/slide23.xml><?xml version="1.0" encoding="utf-8"?>
+<file path=ppt/slides/slide22.xml><?xml version="1.0" encoding="utf-8"?>
 <p:sld xmlns:a="http://schemas.openxmlformats.org/drawingml/2006/main" xmlns:r="http://schemas.openxmlformats.org/officeDocument/2006/relationships" xmlns:p="http://schemas.openxmlformats.org/presentationml/2006/main">
   <p:cSld>
     <p:bg>
@@ -9773,50 +9862,6 @@
           </a:p>
         </p:txBody>
       </p:sp>
-      <p:sp>
-        <p:nvSpPr>
-          <p:cNvPr id="27" name="Content Placeholder 8">
-            <a:extLst>
-              <a:ext uri="{FF2B5EF4-FFF2-40B4-BE49-F238E27FC236}">
-                <a16:creationId xmlns:a16="http://schemas.microsoft.com/office/drawing/2014/main" id="{F46286C6-73D5-498A-9E91-2B5F445FB82A}"/>
-              </a:ext>
-            </a:extLst>
-          </p:cNvPr>
-          <p:cNvSpPr>
-            <a:spLocks noGrp="1"/>
-          </p:cNvSpPr>
-          <p:nvPr>
-            <p:ph idx="1"/>
-          </p:nvPr>
-        </p:nvSpPr>
-        <p:spPr>
-          <a:xfrm>
-            <a:off x="8569666" y="4458645"/>
-            <a:ext cx="3176246" cy="1656413"/>
-          </a:xfrm>
-        </p:spPr>
-        <p:txBody>
-          <a:bodyPr vert="horz" lIns="91440" tIns="45720" rIns="91440" bIns="45720" rtlCol="0">
-            <a:normAutofit/>
-          </a:bodyPr>
-          <a:lstStyle/>
-          <a:p>
-            <a:pPr marL="0" indent="0">
-              <a:lnSpc>
-                <a:spcPct val="112000"/>
-              </a:lnSpc>
-              <a:spcBef>
-                <a:spcPts val="0"/>
-              </a:spcBef>
-              <a:spcAft>
-                <a:spcPts val="600"/>
-              </a:spcAft>
-              <a:buNone/>
-            </a:pPr>
-            <a:endParaRPr lang="en-US" sz="2000" dirty="0"/>
-          </a:p>
-        </p:txBody>
-      </p:sp>
       <p:pic>
         <p:nvPicPr>
           <p:cNvPr id="4" name="Picture 3">
@@ -9839,8 +9884,8 @@
         </p:blipFill>
         <p:spPr>
           <a:xfrm>
-            <a:off x="230163" y="640080"/>
-            <a:ext cx="8031873" cy="5040000"/>
+            <a:off x="926897" y="189000"/>
+            <a:ext cx="10326694" cy="6480000"/>
           </a:xfrm>
           <a:prstGeom prst="rect">
             <a:avLst/>
@@ -9856,6 +9901,207 @@
   </p:cSld>
   <p:clrMapOvr>
     <a:overrideClrMapping bg1="dk1" tx1="lt1" bg2="dk2" tx2="lt2" accent1="accent1" accent2="accent2" accent3="accent3" accent4="accent4" accent5="accent5" accent6="accent6" hlink="hlink" folHlink="folHlink"/>
+  </p:clrMapOvr>
+</p:sld>
+</file>
+
+<file path=ppt/slides/slide23.xml><?xml version="1.0" encoding="utf-8"?>
+<p:sld xmlns:a="http://schemas.openxmlformats.org/drawingml/2006/main" xmlns:r="http://schemas.openxmlformats.org/officeDocument/2006/relationships" xmlns:p="http://schemas.openxmlformats.org/presentationml/2006/main">
+  <p:cSld>
+    <p:spTree>
+      <p:nvGrpSpPr>
+        <p:cNvPr id="1" name=""/>
+        <p:cNvGrpSpPr/>
+        <p:nvPr/>
+      </p:nvGrpSpPr>
+      <p:grpSpPr>
+        <a:xfrm>
+          <a:off x="0" y="0"/>
+          <a:ext cx="0" cy="0"/>
+          <a:chOff x="0" y="0"/>
+          <a:chExt cx="0" cy="0"/>
+        </a:xfrm>
+      </p:grpSpPr>
+      <p:sp>
+        <p:nvSpPr>
+          <p:cNvPr id="2" name="Title 1">
+            <a:extLst>
+              <a:ext uri="{FF2B5EF4-FFF2-40B4-BE49-F238E27FC236}">
+                <a16:creationId xmlns:a16="http://schemas.microsoft.com/office/drawing/2014/main" id="{3CB3F7EA-C6D4-4913-AB50-ADB68F647906}"/>
+              </a:ext>
+            </a:extLst>
+          </p:cNvPr>
+          <p:cNvSpPr>
+            <a:spLocks noGrp="1"/>
+          </p:cNvSpPr>
+          <p:nvPr>
+            <p:ph type="ctrTitle"/>
+          </p:nvPr>
+        </p:nvSpPr>
+        <p:spPr>
+          <a:xfrm>
+            <a:off x="1915128" y="1788454"/>
+            <a:ext cx="8361229" cy="2098226"/>
+          </a:xfrm>
+        </p:spPr>
+        <p:txBody>
+          <a:bodyPr/>
+          <a:lstStyle/>
+          <a:p>
+            <a:r>
+              <a:rPr lang="en-SG" sz="6600" dirty="0"/>
+              <a:t>Code available here</a:t>
+            </a:r>
+          </a:p>
+        </p:txBody>
+      </p:sp>
+      <p:sp>
+        <p:nvSpPr>
+          <p:cNvPr id="3" name="Subtitle 2">
+            <a:extLst>
+              <a:ext uri="{FF2B5EF4-FFF2-40B4-BE49-F238E27FC236}">
+                <a16:creationId xmlns:a16="http://schemas.microsoft.com/office/drawing/2014/main" id="{34572013-C836-4794-9AEE-FB645CB8A28D}"/>
+              </a:ext>
+            </a:extLst>
+          </p:cNvPr>
+          <p:cNvSpPr>
+            <a:spLocks noGrp="1"/>
+          </p:cNvSpPr>
+          <p:nvPr>
+            <p:ph type="subTitle" idx="1"/>
+          </p:nvPr>
+        </p:nvSpPr>
+        <p:spPr>
+          <a:xfrm>
+            <a:off x="2679906" y="3956279"/>
+            <a:ext cx="6831673" cy="1086237"/>
+          </a:xfrm>
+        </p:spPr>
+        <p:txBody>
+          <a:bodyPr>
+            <a:normAutofit/>
+          </a:bodyPr>
+          <a:lstStyle/>
+          <a:p>
+            <a:r>
+              <a:rPr lang="en-SG" sz="2400" b="1" dirty="0">
+                <a:solidFill>
+                  <a:srgbClr val="00B050"/>
+                </a:solidFill>
+                <a:hlinkClick r:id="rId3"/>
+              </a:rPr>
+              <a:t>https://github.com/DigiPie/cs1010_tut_c09</a:t>
+            </a:r>
+            <a:r>
+              <a:rPr lang="en-SG" sz="2400" b="1" dirty="0">
+                <a:solidFill>
+                  <a:srgbClr val="00B050"/>
+                </a:solidFill>
+              </a:rPr>
+              <a:t> </a:t>
+            </a:r>
+          </a:p>
+        </p:txBody>
+      </p:sp>
+      <p:sp>
+        <p:nvSpPr>
+          <p:cNvPr id="4" name="AutoShape 2" descr="Image result for gong cha nus">
+            <a:extLst>
+              <a:ext uri="{FF2B5EF4-FFF2-40B4-BE49-F238E27FC236}">
+                <a16:creationId xmlns:a16="http://schemas.microsoft.com/office/drawing/2014/main" id="{943BFA35-D113-4E70-8747-61669A1E3B02}"/>
+              </a:ext>
+            </a:extLst>
+          </p:cNvPr>
+          <p:cNvSpPr>
+            <a:spLocks noChangeAspect="1" noChangeArrowheads="1"/>
+          </p:cNvSpPr>
+          <p:nvPr/>
+        </p:nvSpPr>
+        <p:spPr bwMode="auto">
+          <a:xfrm>
+            <a:off x="3105150" y="1747838"/>
+            <a:ext cx="5981700" cy="3362325"/>
+          </a:xfrm>
+          <a:prstGeom prst="rect">
+            <a:avLst/>
+          </a:prstGeom>
+          <a:noFill/>
+          <a:extLst>
+            <a:ext uri="{909E8E84-426E-40DD-AFC4-6F175D3DCCD1}">
+              <a14:hiddenFill xmlns:a14="http://schemas.microsoft.com/office/drawing/2010/main">
+                <a:solidFill>
+                  <a:srgbClr val="FFFFFF"/>
+                </a:solidFill>
+              </a14:hiddenFill>
+            </a:ext>
+          </a:extLst>
+        </p:spPr>
+        <p:txBody>
+          <a:bodyPr vert="horz" wrap="square" lIns="91440" tIns="45720" rIns="91440" bIns="45720" numCol="1" anchor="t" anchorCtr="0" compatLnSpc="1">
+            <a:prstTxWarp prst="textNoShape">
+              <a:avLst/>
+            </a:prstTxWarp>
+          </a:bodyPr>
+          <a:lstStyle/>
+          <a:p>
+            <a:endParaRPr lang="en-SG"/>
+          </a:p>
+        </p:txBody>
+      </p:sp>
+      <p:sp>
+        <p:nvSpPr>
+          <p:cNvPr id="5" name="AutoShape 4" descr="Image result for gong cha nus">
+            <a:extLst>
+              <a:ext uri="{FF2B5EF4-FFF2-40B4-BE49-F238E27FC236}">
+                <a16:creationId xmlns:a16="http://schemas.microsoft.com/office/drawing/2014/main" id="{7E6627FC-FBA5-4808-B20D-C2380A27245A}"/>
+              </a:ext>
+            </a:extLst>
+          </p:cNvPr>
+          <p:cNvSpPr>
+            <a:spLocks noChangeAspect="1" noChangeArrowheads="1"/>
+          </p:cNvSpPr>
+          <p:nvPr/>
+        </p:nvSpPr>
+        <p:spPr bwMode="auto">
+          <a:xfrm>
+            <a:off x="3257550" y="1900238"/>
+            <a:ext cx="5981700" cy="3362325"/>
+          </a:xfrm>
+          <a:prstGeom prst="rect">
+            <a:avLst/>
+          </a:prstGeom>
+          <a:noFill/>
+          <a:extLst>
+            <a:ext uri="{909E8E84-426E-40DD-AFC4-6F175D3DCCD1}">
+              <a14:hiddenFill xmlns:a14="http://schemas.microsoft.com/office/drawing/2010/main">
+                <a:solidFill>
+                  <a:srgbClr val="FFFFFF"/>
+                </a:solidFill>
+              </a14:hiddenFill>
+            </a:ext>
+          </a:extLst>
+        </p:spPr>
+        <p:txBody>
+          <a:bodyPr vert="horz" wrap="square" lIns="91440" tIns="45720" rIns="91440" bIns="45720" numCol="1" anchor="t" anchorCtr="0" compatLnSpc="1">
+            <a:prstTxWarp prst="textNoShape">
+              <a:avLst/>
+            </a:prstTxWarp>
+          </a:bodyPr>
+          <a:lstStyle/>
+          <a:p>
+            <a:endParaRPr lang="en-SG"/>
+          </a:p>
+        </p:txBody>
+      </p:sp>
+    </p:spTree>
+    <p:extLst>
+      <p:ext uri="{BB962C8B-B14F-4D97-AF65-F5344CB8AC3E}">
+        <p14:creationId xmlns:p14="http://schemas.microsoft.com/office/powerpoint/2010/main" val="3844156777"/>
+      </p:ext>
+    </p:extLst>
+  </p:cSld>
+  <p:clrMapOvr>
+    <a:masterClrMapping/>
   </p:clrMapOvr>
 </p:sld>
 </file>
@@ -10236,10 +10482,9 @@
               <a:rPr lang="en-SG" dirty="0"/>
             </a:br>
             <a:r>
-              <a:rPr lang="en-SG" sz="2400" dirty="0"/>
-              <a:t>What can the return type of this square be, in order for the return type to be big enough to store all possible values of x * x?</a:t>
-            </a:r>
-            <a:endParaRPr lang="en-SG" sz="2700" dirty="0"/>
+              <a:rPr lang="en-SG" sz="3200" dirty="0"/>
+              <a:t>What return type should we use?</a:t>
+            </a:r>
           </a:p>
         </p:txBody>
       </p:sp>
@@ -10472,9 +10717,21 @@
             </a:br>
             <a:r>
               <a:rPr lang="en-SG" sz="2400" dirty="0"/>
-              <a:t>What can the return type of this square be, in order for the return type to be big enough to store all possible values of x * x?</a:t>
-            </a:r>
-            <a:endParaRPr lang="en-SG" sz="2700" dirty="0"/>
+              <a:t>What return type should we use? </a:t>
+            </a:r>
+            <a:r>
+              <a:rPr lang="en-SG" sz="2400" b="1" dirty="0">
+                <a:solidFill>
+                  <a:srgbClr val="00B050"/>
+                </a:solidFill>
+              </a:rPr>
+              <a:t>Must be big enough to store all possible values of x * x</a:t>
+            </a:r>
+            <a:endParaRPr lang="en-SG" sz="2700" b="1" dirty="0">
+              <a:solidFill>
+                <a:srgbClr val="00B050"/>
+              </a:solidFill>
+            </a:endParaRPr>
           </a:p>
         </p:txBody>
       </p:sp>
@@ -10555,7 +10812,9 @@
         </p:nvSpPr>
         <p:spPr/>
         <p:txBody>
-          <a:bodyPr/>
+          <a:bodyPr>
+            <a:normAutofit lnSpcReduction="10000"/>
+          </a:bodyPr>
           <a:lstStyle/>
           <a:p>
             <a:endParaRPr lang="en-SG" dirty="0"/>
@@ -10635,11 +10894,17 @@
               </a:rPr>
               <a:t>No</a:t>
             </a:r>
-            <a:endParaRPr lang="en-US" b="1" dirty="0">
-              <a:solidFill>
-                <a:srgbClr val="FF0000"/>
-              </a:solidFill>
-            </a:endParaRPr>
+          </a:p>
+          <a:p>
+            <a:pPr lvl="1"/>
+            <a:r>
+              <a:rPr lang="en-US" dirty="0">
+                <a:solidFill>
+                  <a:srgbClr val="FF0000"/>
+                </a:solidFill>
+              </a:rPr>
+              <a:t>What if input was 65, 535?</a:t>
+            </a:r>
           </a:p>
           <a:p>
             <a:pPr marL="0" indent="0">
@@ -10715,7 +10980,15 @@
             </a:br>
             <a:r>
               <a:rPr lang="en-SG" sz="2400" dirty="0"/>
-              <a:t>What can the return type of this square be, in order for the return type to be big enough to store all possible values of x * x?</a:t>
+              <a:t>What return type should we use? </a:t>
+            </a:r>
+            <a:r>
+              <a:rPr lang="en-SG" sz="2400" b="1" dirty="0">
+                <a:solidFill>
+                  <a:srgbClr val="00B050"/>
+                </a:solidFill>
+              </a:rPr>
+              <a:t>Must be big enough to store all possible values of x * x</a:t>
             </a:r>
             <a:endParaRPr lang="en-SG" sz="2700" dirty="0"/>
           </a:p>
@@ -11298,9 +11571,10 @@
           <a:lstStyle/>
           <a:p>
             <a:r>
-              <a:rPr lang="en-SG" sz="9600" dirty="0"/>
+              <a:rPr lang="en-SG" sz="9600"/>
               <a:t>KAHOOT!</a:t>
             </a:r>
+            <a:endParaRPr lang="en-SG" sz="9600" dirty="0"/>
           </a:p>
         </p:txBody>
       </p:sp>
@@ -11423,16 +11697,51 @@
           <a:lstStyle/>
           <a:p>
             <a:r>
-              <a:rPr lang="en-SG" sz="4000" b="1" dirty="0">
+              <a:rPr lang="en-SG" sz="4000" b="1">
                 <a:solidFill>
                   <a:srgbClr val="00B050"/>
                 </a:solidFill>
               </a:rPr>
               <a:t>Quick quiz</a:t>
             </a:r>
-          </a:p>
-        </p:txBody>
-      </p:sp>
+            <a:endParaRPr lang="en-SG" sz="4000" b="1" dirty="0">
+              <a:solidFill>
+                <a:srgbClr val="00B050"/>
+              </a:solidFill>
+            </a:endParaRPr>
+          </a:p>
+        </p:txBody>
+      </p:sp>
+      <p:pic>
+        <p:nvPicPr>
+          <p:cNvPr id="6" name="Picture 5">
+            <a:extLst>
+              <a:ext uri="{FF2B5EF4-FFF2-40B4-BE49-F238E27FC236}">
+                <a16:creationId xmlns:a16="http://schemas.microsoft.com/office/drawing/2014/main" id="{209F3A34-90F1-40F8-B544-3BDBFFEE3905}"/>
+              </a:ext>
+            </a:extLst>
+          </p:cNvPr>
+          <p:cNvPicPr>
+            <a:picLocks noChangeAspect="1"/>
+          </p:cNvPicPr>
+          <p:nvPr/>
+        </p:nvPicPr>
+        <p:blipFill>
+          <a:blip r:embed="rId3"/>
+          <a:stretch>
+            <a:fillRect/>
+          </a:stretch>
+        </p:blipFill>
+        <p:spPr>
+          <a:xfrm>
+            <a:off x="0" y="0"/>
+            <a:ext cx="12192000" cy="6858000"/>
+          </a:xfrm>
+          <a:prstGeom prst="rect">
+            <a:avLst/>
+          </a:prstGeom>
+        </p:spPr>
+      </p:pic>
     </p:spTree>
     <p:extLst>
       <p:ext uri="{BB962C8B-B14F-4D97-AF65-F5344CB8AC3E}">
@@ -12323,18 +12632,22 @@
           <a:lstStyle/>
           <a:p>
             <a:r>
-              <a:rPr lang="en-SG" sz="4000" b="1">
+              <a:rPr lang="en-SG" sz="2400" b="1" dirty="0">
                 <a:solidFill>
                   <a:srgbClr val="00B050"/>
                 </a:solidFill>
-              </a:rPr>
-              <a:t>https://t.me/cs1010isfun</a:t>
-            </a:r>
-            <a:endParaRPr lang="en-SG" sz="4000" b="1" dirty="0">
-              <a:solidFill>
-                <a:srgbClr val="00B050"/>
-              </a:solidFill>
-            </a:endParaRPr>
+                <a:hlinkClick r:id="rId3"/>
+              </a:rPr>
+              <a:t>https://github.com/DigiPie/cs1010_tut_c09</a:t>
+            </a:r>
+            <a:r>
+              <a:rPr lang="en-SG" sz="2400" b="1" dirty="0">
+                <a:solidFill>
+                  <a:srgbClr val="00B050"/>
+                </a:solidFill>
+              </a:rPr>
+              <a:t> </a:t>
+            </a:r>
           </a:p>
         </p:txBody>
       </p:sp>
@@ -12611,7 +12924,7 @@
         <p:spPr/>
         <p:txBody>
           <a:bodyPr>
-            <a:normAutofit/>
+            <a:normAutofit fontScale="92500"/>
           </a:bodyPr>
           <a:lstStyle/>
           <a:p>
@@ -12648,14 +12961,78 @@
             <a:pPr lvl="1"/>
             <a:r>
               <a:rPr lang="en-SG" dirty="0"/>
-              <a:t>What is –Wall?</a:t>
+              <a:t>What is –Wall? </a:t>
+            </a:r>
+            <a:r>
+              <a:rPr lang="en-SG" dirty="0">
+                <a:solidFill>
+                  <a:srgbClr val="00B050"/>
+                </a:solidFill>
+              </a:rPr>
+              <a:t>Enable </a:t>
+            </a:r>
+            <a:r>
+              <a:rPr lang="en-SG" b="1" u="sng" dirty="0">
+                <a:solidFill>
+                  <a:srgbClr val="00B050"/>
+                </a:solidFill>
+              </a:rPr>
+              <a:t>W</a:t>
+            </a:r>
+            <a:r>
+              <a:rPr lang="en-SG" dirty="0">
+                <a:solidFill>
+                  <a:srgbClr val="00B050"/>
+                </a:solidFill>
+              </a:rPr>
+              <a:t>arnings </a:t>
+            </a:r>
+            <a:r>
+              <a:rPr lang="en-SG" b="1" u="sng" dirty="0">
+                <a:solidFill>
+                  <a:srgbClr val="00B050"/>
+                </a:solidFill>
+              </a:rPr>
+              <a:t>All</a:t>
             </a:r>
           </a:p>
           <a:p>
             <a:pPr lvl="1"/>
             <a:r>
               <a:rPr lang="en-SG" dirty="0"/>
-              <a:t>What is –g?</a:t>
+              <a:t>What is –g? </a:t>
+            </a:r>
+            <a:r>
+              <a:rPr lang="en-SG" b="1" u="sng" dirty="0">
+                <a:solidFill>
+                  <a:srgbClr val="00B050"/>
+                </a:solidFill>
+              </a:rPr>
+              <a:t>G</a:t>
+            </a:r>
+            <a:r>
+              <a:rPr lang="en-SG" dirty="0">
+                <a:solidFill>
+                  <a:srgbClr val="00B050"/>
+                </a:solidFill>
+              </a:rPr>
+              <a:t>enerate additional info for </a:t>
+            </a:r>
+            <a:r>
+              <a:rPr lang="en-SG" dirty="0" err="1">
+                <a:solidFill>
+                  <a:srgbClr val="00B050"/>
+                </a:solidFill>
+              </a:rPr>
+              <a:t>lldb</a:t>
+            </a:r>
+            <a:r>
+              <a:rPr lang="en-SG" dirty="0">
+                <a:solidFill>
+                  <a:srgbClr val="00B050"/>
+                </a:solidFill>
+              </a:rPr>
+              <a:t> debugger</a:t>
             </a:r>
           </a:p>
           <a:p>
@@ -12670,8 +13047,33 @@
             </a:r>
             <a:r>
               <a:rPr lang="en-SG" dirty="0"/>
-              <a:t>?</a:t>
-            </a:r>
+              <a:t>? </a:t>
+            </a:r>
+            <a:r>
+              <a:rPr lang="en-SG" b="1" u="sng" dirty="0">
+                <a:solidFill>
+                  <a:srgbClr val="00B050"/>
+                </a:solidFill>
+              </a:rPr>
+              <a:t>O</a:t>
+            </a:r>
+            <a:r>
+              <a:rPr lang="en-SG" dirty="0">
+                <a:solidFill>
+                  <a:srgbClr val="00B050"/>
+                </a:solidFill>
+              </a:rPr>
+              <a:t>utput file name set to </a:t>
+            </a:r>
+            <a:r>
+              <a:rPr lang="en-SG" dirty="0" err="1">
+                <a:solidFill>
+                  <a:srgbClr val="00B050"/>
+                </a:solidFill>
+              </a:rPr>
+              <a:t>teh</a:t>
+            </a:r>
+            <a:endParaRPr lang="en-SG" dirty="0"/>
           </a:p>
           <a:p>
             <a:pPr lvl="1"/>
@@ -12685,7 +13087,72 @@
             </a:r>
             <a:r>
               <a:rPr lang="en-SG" dirty="0"/>
-              <a:t>?</a:t>
+              <a:t>? </a:t>
+            </a:r>
+            <a:r>
+              <a:rPr lang="en-SG" b="1" u="sng" dirty="0">
+                <a:solidFill>
+                  <a:srgbClr val="00B050"/>
+                </a:solidFill>
+              </a:rPr>
+              <a:t>L</a:t>
+            </a:r>
+            <a:r>
+              <a:rPr lang="en-SG" dirty="0">
+                <a:solidFill>
+                  <a:srgbClr val="00B050"/>
+                </a:solidFill>
+              </a:rPr>
+              <a:t>ink to </a:t>
+            </a:r>
+            <a:r>
+              <a:rPr lang="en-SG" b="1" u="sng" dirty="0">
+                <a:solidFill>
+                  <a:srgbClr val="00B050"/>
+                </a:solidFill>
+              </a:rPr>
+              <a:t>M</a:t>
+            </a:r>
+            <a:r>
+              <a:rPr lang="en-SG" dirty="0">
+                <a:solidFill>
+                  <a:srgbClr val="00B050"/>
+                </a:solidFill>
+              </a:rPr>
+              <a:t>ath library</a:t>
+            </a:r>
+          </a:p>
+          <a:p>
+            <a:pPr marL="0" indent="0">
+              <a:buNone/>
+            </a:pPr>
+            <a:endParaRPr lang="en-SG" sz="3200" dirty="0">
+              <a:solidFill>
+                <a:srgbClr val="00B050"/>
+              </a:solidFill>
+              <a:hlinkClick r:id="rId3"/>
+            </a:endParaRPr>
+          </a:p>
+          <a:p>
+            <a:pPr marL="0" indent="0">
+              <a:buNone/>
+            </a:pPr>
+            <a:r>
+              <a:rPr lang="en-SG" sz="3200" dirty="0">
+                <a:solidFill>
+                  <a:srgbClr val="00B050"/>
+                </a:solidFill>
+                <a:hlinkClick r:id="rId3"/>
+              </a:rPr>
+              <a:t>https://nus-cs1010.github.io/1819-s1/clang/index.html</a:t>
+            </a:r>
+            <a:r>
+              <a:rPr lang="en-SG" sz="3200" dirty="0">
+                <a:solidFill>
+                  <a:srgbClr val="00B050"/>
+                </a:solidFill>
+              </a:rPr>
+              <a:t> </a:t>
             </a:r>
           </a:p>
         </p:txBody>
@@ -12693,7 +13160,7 @@
     </p:spTree>
     <p:extLst>
       <p:ext uri="{BB962C8B-B14F-4D97-AF65-F5344CB8AC3E}">
-        <p14:creationId xmlns:p14="http://schemas.microsoft.com/office/powerpoint/2010/main" val="3139532111"/>
+        <p14:creationId xmlns:p14="http://schemas.microsoft.com/office/powerpoint/2010/main" val="1771710202"/>
       </p:ext>
     </p:extLst>
   </p:cSld>
@@ -12743,316 +13210,6 @@
           <a:p>
             <a:r>
               <a:rPr lang="en-SG" dirty="0"/>
-              <a:t>Compiling with Clang</a:t>
-            </a:r>
-          </a:p>
-        </p:txBody>
-      </p:sp>
-      <p:sp>
-        <p:nvSpPr>
-          <p:cNvPr id="3" name="Content Placeholder 2">
-            <a:extLst>
-              <a:ext uri="{FF2B5EF4-FFF2-40B4-BE49-F238E27FC236}">
-                <a16:creationId xmlns:a16="http://schemas.microsoft.com/office/drawing/2014/main" id="{68D42D0C-2E71-478F-B206-6E565EA457D2}"/>
-              </a:ext>
-            </a:extLst>
-          </p:cNvPr>
-          <p:cNvSpPr>
-            <a:spLocks noGrp="1"/>
-          </p:cNvSpPr>
-          <p:nvPr>
-            <p:ph idx="1"/>
-          </p:nvPr>
-        </p:nvSpPr>
-        <p:spPr/>
-        <p:txBody>
-          <a:bodyPr>
-            <a:normAutofit fontScale="92500"/>
-          </a:bodyPr>
-          <a:lstStyle/>
-          <a:p>
-            <a:pPr marL="0" indent="0">
-              <a:buNone/>
-            </a:pPr>
-            <a:r>
-              <a:rPr lang="en-SG" sz="3200" dirty="0"/>
-              <a:t>clang -Wall -g </a:t>
-            </a:r>
-            <a:r>
-              <a:rPr lang="en-SG" sz="3200" dirty="0" err="1"/>
-              <a:t>teh.c</a:t>
-            </a:r>
-            <a:r>
-              <a:rPr lang="en-SG" sz="3200" dirty="0"/>
-              <a:t> -o </a:t>
-            </a:r>
-            <a:r>
-              <a:rPr lang="en-SG" sz="3200" dirty="0" err="1"/>
-              <a:t>teh</a:t>
-            </a:r>
-            <a:r>
-              <a:rPr lang="en-SG" sz="3200" dirty="0"/>
-              <a:t> –</a:t>
-            </a:r>
-            <a:r>
-              <a:rPr lang="en-SG" sz="3200" dirty="0" err="1"/>
-              <a:t>lm</a:t>
-            </a:r>
-            <a:endParaRPr lang="en-SG" sz="3200" dirty="0"/>
-          </a:p>
-          <a:p>
-            <a:pPr lvl="1"/>
-            <a:r>
-              <a:rPr lang="en-SG" dirty="0"/>
-              <a:t>What is –Wall? </a:t>
-            </a:r>
-            <a:r>
-              <a:rPr lang="en-SG" dirty="0">
-                <a:solidFill>
-                  <a:srgbClr val="00B050"/>
-                </a:solidFill>
-              </a:rPr>
-              <a:t>Enable </a:t>
-            </a:r>
-            <a:r>
-              <a:rPr lang="en-SG" b="1" u="sng" dirty="0">
-                <a:solidFill>
-                  <a:srgbClr val="00B050"/>
-                </a:solidFill>
-              </a:rPr>
-              <a:t>W</a:t>
-            </a:r>
-            <a:r>
-              <a:rPr lang="en-SG" dirty="0">
-                <a:solidFill>
-                  <a:srgbClr val="00B050"/>
-                </a:solidFill>
-              </a:rPr>
-              <a:t>arnings </a:t>
-            </a:r>
-            <a:r>
-              <a:rPr lang="en-SG" b="1" u="sng" dirty="0">
-                <a:solidFill>
-                  <a:srgbClr val="00B050"/>
-                </a:solidFill>
-              </a:rPr>
-              <a:t>All</a:t>
-            </a:r>
-          </a:p>
-          <a:p>
-            <a:pPr lvl="1"/>
-            <a:r>
-              <a:rPr lang="en-SG" dirty="0"/>
-              <a:t>What is –g? </a:t>
-            </a:r>
-            <a:r>
-              <a:rPr lang="en-SG" b="1" u="sng" dirty="0">
-                <a:solidFill>
-                  <a:srgbClr val="00B050"/>
-                </a:solidFill>
-              </a:rPr>
-              <a:t>G</a:t>
-            </a:r>
-            <a:r>
-              <a:rPr lang="en-SG" dirty="0">
-                <a:solidFill>
-                  <a:srgbClr val="00B050"/>
-                </a:solidFill>
-              </a:rPr>
-              <a:t>enerate additional info for </a:t>
-            </a:r>
-            <a:r>
-              <a:rPr lang="en-SG" dirty="0" err="1">
-                <a:solidFill>
-                  <a:srgbClr val="00B050"/>
-                </a:solidFill>
-              </a:rPr>
-              <a:t>lldb</a:t>
-            </a:r>
-            <a:r>
-              <a:rPr lang="en-SG" dirty="0">
-                <a:solidFill>
-                  <a:srgbClr val="00B050"/>
-                </a:solidFill>
-              </a:rPr>
-              <a:t> debugger</a:t>
-            </a:r>
-          </a:p>
-          <a:p>
-            <a:pPr lvl="1"/>
-            <a:r>
-              <a:rPr lang="en-SG" dirty="0"/>
-              <a:t>What is –o </a:t>
-            </a:r>
-            <a:r>
-              <a:rPr lang="en-SG" dirty="0" err="1"/>
-              <a:t>teh</a:t>
-            </a:r>
-            <a:r>
-              <a:rPr lang="en-SG" dirty="0"/>
-              <a:t>? </a:t>
-            </a:r>
-            <a:r>
-              <a:rPr lang="en-SG" b="1" u="sng" dirty="0">
-                <a:solidFill>
-                  <a:srgbClr val="00B050"/>
-                </a:solidFill>
-              </a:rPr>
-              <a:t>O</a:t>
-            </a:r>
-            <a:r>
-              <a:rPr lang="en-SG" dirty="0">
-                <a:solidFill>
-                  <a:srgbClr val="00B050"/>
-                </a:solidFill>
-              </a:rPr>
-              <a:t>utput file name set to </a:t>
-            </a:r>
-            <a:r>
-              <a:rPr lang="en-SG" dirty="0" err="1">
-                <a:solidFill>
-                  <a:srgbClr val="00B050"/>
-                </a:solidFill>
-              </a:rPr>
-              <a:t>teh</a:t>
-            </a:r>
-            <a:endParaRPr lang="en-SG" dirty="0"/>
-          </a:p>
-          <a:p>
-            <a:pPr lvl="1"/>
-            <a:r>
-              <a:rPr lang="en-SG" dirty="0"/>
-              <a:t>What is –</a:t>
-            </a:r>
-            <a:r>
-              <a:rPr lang="en-SG" dirty="0" err="1"/>
-              <a:t>lm</a:t>
-            </a:r>
-            <a:r>
-              <a:rPr lang="en-SG" dirty="0"/>
-              <a:t>? </a:t>
-            </a:r>
-            <a:r>
-              <a:rPr lang="en-SG" b="1" u="sng" dirty="0">
-                <a:solidFill>
-                  <a:srgbClr val="00B050"/>
-                </a:solidFill>
-              </a:rPr>
-              <a:t>L</a:t>
-            </a:r>
-            <a:r>
-              <a:rPr lang="en-SG" dirty="0">
-                <a:solidFill>
-                  <a:srgbClr val="00B050"/>
-                </a:solidFill>
-              </a:rPr>
-              <a:t>ink to </a:t>
-            </a:r>
-            <a:r>
-              <a:rPr lang="en-SG" b="1" u="sng" dirty="0">
-                <a:solidFill>
-                  <a:srgbClr val="00B050"/>
-                </a:solidFill>
-              </a:rPr>
-              <a:t>M</a:t>
-            </a:r>
-            <a:r>
-              <a:rPr lang="en-SG" dirty="0">
-                <a:solidFill>
-                  <a:srgbClr val="00B050"/>
-                </a:solidFill>
-              </a:rPr>
-              <a:t>ath library</a:t>
-            </a:r>
-          </a:p>
-          <a:p>
-            <a:pPr marL="0" indent="0">
-              <a:buNone/>
-            </a:pPr>
-            <a:endParaRPr lang="en-SG" sz="3200" dirty="0">
-              <a:solidFill>
-                <a:srgbClr val="00B050"/>
-              </a:solidFill>
-              <a:hlinkClick r:id="rId3"/>
-            </a:endParaRPr>
-          </a:p>
-          <a:p>
-            <a:pPr marL="0" indent="0">
-              <a:buNone/>
-            </a:pPr>
-            <a:r>
-              <a:rPr lang="en-SG" sz="3200" dirty="0">
-                <a:solidFill>
-                  <a:srgbClr val="00B050"/>
-                </a:solidFill>
-                <a:hlinkClick r:id="rId3"/>
-              </a:rPr>
-              <a:t>https://nus-cs1010.github.io/1819-s1/clang/index.html</a:t>
-            </a:r>
-            <a:r>
-              <a:rPr lang="en-SG" sz="3200" dirty="0">
-                <a:solidFill>
-                  <a:srgbClr val="00B050"/>
-                </a:solidFill>
-              </a:rPr>
-              <a:t> </a:t>
-            </a:r>
-          </a:p>
-        </p:txBody>
-      </p:sp>
-    </p:spTree>
-    <p:extLst>
-      <p:ext uri="{BB962C8B-B14F-4D97-AF65-F5344CB8AC3E}">
-        <p14:creationId xmlns:p14="http://schemas.microsoft.com/office/powerpoint/2010/main" val="1771710202"/>
-      </p:ext>
-    </p:extLst>
-  </p:cSld>
-  <p:clrMapOvr>
-    <a:masterClrMapping/>
-  </p:clrMapOvr>
-</p:sld>
-</file>
-
-<file path=ppt/slides/slide7.xml><?xml version="1.0" encoding="utf-8"?>
-<p:sld xmlns:a="http://schemas.openxmlformats.org/drawingml/2006/main" xmlns:r="http://schemas.openxmlformats.org/officeDocument/2006/relationships" xmlns:p="http://schemas.openxmlformats.org/presentationml/2006/main">
-  <p:cSld>
-    <p:spTree>
-      <p:nvGrpSpPr>
-        <p:cNvPr id="1" name=""/>
-        <p:cNvGrpSpPr/>
-        <p:nvPr/>
-      </p:nvGrpSpPr>
-      <p:grpSpPr>
-        <a:xfrm>
-          <a:off x="0" y="0"/>
-          <a:ext cx="0" cy="0"/>
-          <a:chOff x="0" y="0"/>
-          <a:chExt cx="0" cy="0"/>
-        </a:xfrm>
-      </p:grpSpPr>
-      <p:sp>
-        <p:nvSpPr>
-          <p:cNvPr id="2" name="Title 1">
-            <a:extLst>
-              <a:ext uri="{FF2B5EF4-FFF2-40B4-BE49-F238E27FC236}">
-                <a16:creationId xmlns:a16="http://schemas.microsoft.com/office/drawing/2014/main" id="{661C8001-A642-400D-B6AD-3E19E5A501D7}"/>
-              </a:ext>
-            </a:extLst>
-          </p:cNvPr>
-          <p:cNvSpPr>
-            <a:spLocks noGrp="1"/>
-          </p:cNvSpPr>
-          <p:nvPr>
-            <p:ph type="title"/>
-          </p:nvPr>
-        </p:nvSpPr>
-        <p:spPr/>
-        <p:txBody>
-          <a:bodyPr/>
-          <a:lstStyle/>
-          <a:p>
-            <a:r>
-              <a:rPr lang="en-SG" dirty="0"/>
               <a:t>Today’s plan</a:t>
             </a:r>
           </a:p>
@@ -13150,7 +13307,7 @@
 </p:sld>
 </file>
 
-<file path=ppt/slides/slide8.xml><?xml version="1.0" encoding="utf-8"?>
+<file path=ppt/slides/slide7.xml><?xml version="1.0" encoding="utf-8"?>
 <p:sld xmlns:a="http://schemas.openxmlformats.org/drawingml/2006/main" xmlns:r="http://schemas.openxmlformats.org/officeDocument/2006/relationships" xmlns:p="http://schemas.openxmlformats.org/presentationml/2006/main">
   <p:cSld>
     <p:spTree>
@@ -13238,6 +13395,143 @@
 </p:sld>
 </file>
 
+<file path=ppt/slides/slide8.xml><?xml version="1.0" encoding="utf-8"?>
+<p:sld xmlns:a="http://schemas.openxmlformats.org/drawingml/2006/main" xmlns:r="http://schemas.openxmlformats.org/officeDocument/2006/relationships" xmlns:p="http://schemas.openxmlformats.org/presentationml/2006/main">
+  <p:cSld>
+    <p:spTree>
+      <p:nvGrpSpPr>
+        <p:cNvPr id="1" name=""/>
+        <p:cNvGrpSpPr/>
+        <p:nvPr/>
+      </p:nvGrpSpPr>
+      <p:grpSpPr>
+        <a:xfrm>
+          <a:off x="0" y="0"/>
+          <a:ext cx="0" cy="0"/>
+          <a:chOff x="0" y="0"/>
+          <a:chExt cx="0" cy="0"/>
+        </a:xfrm>
+      </p:grpSpPr>
+      <p:sp>
+        <p:nvSpPr>
+          <p:cNvPr id="2" name="Title 1">
+            <a:extLst>
+              <a:ext uri="{FF2B5EF4-FFF2-40B4-BE49-F238E27FC236}">
+                <a16:creationId xmlns:a16="http://schemas.microsoft.com/office/drawing/2014/main" id="{661C8001-A642-400D-B6AD-3E19E5A501D7}"/>
+              </a:ext>
+            </a:extLst>
+          </p:cNvPr>
+          <p:cNvSpPr>
+            <a:spLocks noGrp="1"/>
+          </p:cNvSpPr>
+          <p:nvPr>
+            <p:ph type="title"/>
+          </p:nvPr>
+        </p:nvSpPr>
+        <p:spPr/>
+        <p:txBody>
+          <a:bodyPr/>
+          <a:lstStyle/>
+          <a:p>
+            <a:r>
+              <a:rPr lang="en-SG" dirty="0"/>
+              <a:t>Today’s plan</a:t>
+            </a:r>
+          </a:p>
+        </p:txBody>
+      </p:sp>
+      <p:sp>
+        <p:nvSpPr>
+          <p:cNvPr id="3" name="Content Placeholder 2">
+            <a:extLst>
+              <a:ext uri="{FF2B5EF4-FFF2-40B4-BE49-F238E27FC236}">
+                <a16:creationId xmlns:a16="http://schemas.microsoft.com/office/drawing/2014/main" id="{68D42D0C-2E71-478F-B206-6E565EA457D2}"/>
+              </a:ext>
+            </a:extLst>
+          </p:cNvPr>
+          <p:cNvSpPr>
+            <a:spLocks noGrp="1"/>
+          </p:cNvSpPr>
+          <p:nvPr>
+            <p:ph idx="1"/>
+          </p:nvPr>
+        </p:nvSpPr>
+        <p:spPr/>
+        <p:txBody>
+          <a:bodyPr>
+            <a:normAutofit/>
+          </a:bodyPr>
+          <a:lstStyle/>
+          <a:p>
+            <a:r>
+              <a:rPr lang="en-SG" dirty="0"/>
+              <a:t>Tutorial Segment</a:t>
+            </a:r>
+          </a:p>
+          <a:p>
+            <a:pPr lvl="1"/>
+            <a:r>
+              <a:rPr lang="en-SG" dirty="0">
+                <a:solidFill>
+                  <a:schemeClr val="tx1"/>
+                </a:solidFill>
+              </a:rPr>
+              <a:t>Unix &amp; Clang</a:t>
+            </a:r>
+          </a:p>
+          <a:p>
+            <a:pPr lvl="1"/>
+            <a:r>
+              <a:rPr lang="en-SG" dirty="0">
+                <a:solidFill>
+                  <a:schemeClr val="tx1"/>
+                </a:solidFill>
+              </a:rPr>
+              <a:t>Recap on C</a:t>
+            </a:r>
+          </a:p>
+          <a:p>
+            <a:pPr lvl="1"/>
+            <a:r>
+              <a:rPr lang="en-SG" b="1" dirty="0">
+                <a:solidFill>
+                  <a:srgbClr val="00B050"/>
+                </a:solidFill>
+              </a:rPr>
+              <a:t>Discussion of problem sets</a:t>
+            </a:r>
+          </a:p>
+          <a:p>
+            <a:r>
+              <a:rPr lang="en-SG" dirty="0"/>
+              <a:t>Lab Segment</a:t>
+            </a:r>
+          </a:p>
+          <a:p>
+            <a:pPr lvl="1"/>
+            <a:r>
+              <a:rPr lang="en-SG" dirty="0"/>
+              <a:t>Programming Assignment (PA0)</a:t>
+            </a:r>
+          </a:p>
+          <a:p>
+            <a:endParaRPr lang="en-SG" dirty="0"/>
+          </a:p>
+        </p:txBody>
+      </p:sp>
+    </p:spTree>
+    <p:extLst>
+      <p:ext uri="{BB962C8B-B14F-4D97-AF65-F5344CB8AC3E}">
+        <p14:creationId xmlns:p14="http://schemas.microsoft.com/office/powerpoint/2010/main" val="417511075"/>
+      </p:ext>
+    </p:extLst>
+  </p:cSld>
+  <p:clrMapOvr>
+    <a:masterClrMapping/>
+  </p:clrMapOvr>
+</p:sld>
+</file>
+
 <file path=ppt/slides/slide9.xml><?xml version="1.0" encoding="utf-8"?>
 <p:sld xmlns:a="http://schemas.openxmlformats.org/drawingml/2006/main" xmlns:r="http://schemas.openxmlformats.org/officeDocument/2006/relationships" xmlns:p="http://schemas.openxmlformats.org/presentationml/2006/main">
   <p:cSld>
@@ -13260,7 +13554,7 @@
           <p:cNvPr id="2" name="Title 1">
             <a:extLst>
               <a:ext uri="{FF2B5EF4-FFF2-40B4-BE49-F238E27FC236}">
-                <a16:creationId xmlns:a16="http://schemas.microsoft.com/office/drawing/2014/main" id="{661C8001-A642-400D-B6AD-3E19E5A501D7}"/>
+                <a16:creationId xmlns:a16="http://schemas.microsoft.com/office/drawing/2014/main" id="{3CB3F7EA-C6D4-4913-AB50-ADB68F647906}"/>
               </a:ext>
             </a:extLst>
           </p:cNvPr>
@@ -13268,38 +13562,138 @@
             <a:spLocks noGrp="1"/>
           </p:cNvSpPr>
           <p:nvPr>
-            <p:ph type="title"/>
-          </p:nvPr>
-        </p:nvSpPr>
-        <p:spPr/>
+            <p:ph type="ctrTitle"/>
+          </p:nvPr>
+        </p:nvSpPr>
+        <p:spPr>
+          <a:xfrm>
+            <a:off x="1915128" y="1788454"/>
+            <a:ext cx="8361229" cy="2098226"/>
+          </a:xfrm>
+        </p:spPr>
         <p:txBody>
           <a:bodyPr/>
           <a:lstStyle/>
           <a:p>
             <a:r>
-              <a:rPr lang="en-SG" dirty="0"/>
-              <a:t>Today’s plan</a:t>
-            </a:r>
-          </a:p>
-        </p:txBody>
-      </p:sp>
-      <p:sp>
-        <p:nvSpPr>
-          <p:cNvPr id="3" name="Content Placeholder 2">
+              <a:rPr lang="en-SG" sz="9600" dirty="0"/>
+              <a:t>Problem sets</a:t>
+            </a:r>
+          </a:p>
+        </p:txBody>
+      </p:sp>
+      <p:sp>
+        <p:nvSpPr>
+          <p:cNvPr id="4" name="AutoShape 2" descr="Image result for gong cha nus">
             <a:extLst>
               <a:ext uri="{FF2B5EF4-FFF2-40B4-BE49-F238E27FC236}">
-                <a16:creationId xmlns:a16="http://schemas.microsoft.com/office/drawing/2014/main" id="{68D42D0C-2E71-478F-B206-6E565EA457D2}"/>
+                <a16:creationId xmlns:a16="http://schemas.microsoft.com/office/drawing/2014/main" id="{943BFA35-D113-4E70-8747-61669A1E3B02}"/>
               </a:ext>
             </a:extLst>
           </p:cNvPr>
           <p:cNvSpPr>
-            <a:spLocks noGrp="1"/>
-          </p:cNvSpPr>
-          <p:nvPr>
-            <p:ph idx="1"/>
-          </p:nvPr>
-        </p:nvSpPr>
-        <p:spPr/>
+            <a:spLocks noChangeAspect="1" noChangeArrowheads="1"/>
+          </p:cNvSpPr>
+          <p:nvPr/>
+        </p:nvSpPr>
+        <p:spPr bwMode="auto">
+          <a:xfrm>
+            <a:off x="3105150" y="1747838"/>
+            <a:ext cx="5981700" cy="3362325"/>
+          </a:xfrm>
+          <a:prstGeom prst="rect">
+            <a:avLst/>
+          </a:prstGeom>
+          <a:noFill/>
+          <a:extLst>
+            <a:ext uri="{909E8E84-426E-40DD-AFC4-6F175D3DCCD1}">
+              <a14:hiddenFill xmlns:a14="http://schemas.microsoft.com/office/drawing/2010/main">
+                <a:solidFill>
+                  <a:srgbClr val="FFFFFF"/>
+                </a:solidFill>
+              </a14:hiddenFill>
+            </a:ext>
+          </a:extLst>
+        </p:spPr>
+        <p:txBody>
+          <a:bodyPr vert="horz" wrap="square" lIns="91440" tIns="45720" rIns="91440" bIns="45720" numCol="1" anchor="t" anchorCtr="0" compatLnSpc="1">
+            <a:prstTxWarp prst="textNoShape">
+              <a:avLst/>
+            </a:prstTxWarp>
+          </a:bodyPr>
+          <a:lstStyle/>
+          <a:p>
+            <a:endParaRPr lang="en-SG"/>
+          </a:p>
+        </p:txBody>
+      </p:sp>
+      <p:sp>
+        <p:nvSpPr>
+          <p:cNvPr id="5" name="AutoShape 4" descr="Image result for gong cha nus">
+            <a:extLst>
+              <a:ext uri="{FF2B5EF4-FFF2-40B4-BE49-F238E27FC236}">
+                <a16:creationId xmlns:a16="http://schemas.microsoft.com/office/drawing/2014/main" id="{7E6627FC-FBA5-4808-B20D-C2380A27245A}"/>
+              </a:ext>
+            </a:extLst>
+          </p:cNvPr>
+          <p:cNvSpPr>
+            <a:spLocks noChangeAspect="1" noChangeArrowheads="1"/>
+          </p:cNvSpPr>
+          <p:nvPr/>
+        </p:nvSpPr>
+        <p:spPr bwMode="auto">
+          <a:xfrm>
+            <a:off x="3257550" y="1900238"/>
+            <a:ext cx="5981700" cy="3362325"/>
+          </a:xfrm>
+          <a:prstGeom prst="rect">
+            <a:avLst/>
+          </a:prstGeom>
+          <a:noFill/>
+          <a:extLst>
+            <a:ext uri="{909E8E84-426E-40DD-AFC4-6F175D3DCCD1}">
+              <a14:hiddenFill xmlns:a14="http://schemas.microsoft.com/office/drawing/2010/main">
+                <a:solidFill>
+                  <a:srgbClr val="FFFFFF"/>
+                </a:solidFill>
+              </a14:hiddenFill>
+            </a:ext>
+          </a:extLst>
+        </p:spPr>
+        <p:txBody>
+          <a:bodyPr vert="horz" wrap="square" lIns="91440" tIns="45720" rIns="91440" bIns="45720" numCol="1" anchor="t" anchorCtr="0" compatLnSpc="1">
+            <a:prstTxWarp prst="textNoShape">
+              <a:avLst/>
+            </a:prstTxWarp>
+          </a:bodyPr>
+          <a:lstStyle/>
+          <a:p>
+            <a:endParaRPr lang="en-SG"/>
+          </a:p>
+        </p:txBody>
+      </p:sp>
+      <p:sp>
+        <p:nvSpPr>
+          <p:cNvPr id="8" name="Subtitle 2">
+            <a:extLst>
+              <a:ext uri="{FF2B5EF4-FFF2-40B4-BE49-F238E27FC236}">
+                <a16:creationId xmlns:a16="http://schemas.microsoft.com/office/drawing/2014/main" id="{BEC7D028-D5EE-4DEA-A3DF-A37DDF18BC37}"/>
+              </a:ext>
+            </a:extLst>
+          </p:cNvPr>
+          <p:cNvSpPr>
+            <a:spLocks noGrp="1"/>
+          </p:cNvSpPr>
+          <p:nvPr>
+            <p:ph type="subTitle" idx="1"/>
+          </p:nvPr>
+        </p:nvSpPr>
+        <p:spPr>
+          <a:xfrm>
+            <a:off x="2679906" y="3956279"/>
+            <a:ext cx="6831673" cy="1086237"/>
+          </a:xfrm>
+        </p:spPr>
         <p:txBody>
           <a:bodyPr>
             <a:normAutofit/>
@@ -13307,65 +13701,28 @@
           <a:lstStyle/>
           <a:p>
             <a:r>
-              <a:rPr lang="en-SG" dirty="0"/>
-              <a:t>Tutorial Segment</a:t>
-            </a:r>
-          </a:p>
-          <a:p>
-            <a:pPr lvl="1"/>
-            <a:r>
-              <a:rPr lang="en-SG" dirty="0">
+              <a:rPr lang="en-SG" sz="4000" b="1" dirty="0">
+                <a:solidFill>
+                  <a:srgbClr val="00B050"/>
+                </a:solidFill>
+              </a:rPr>
+              <a:t>3.1, </a:t>
+            </a:r>
+            <a:r>
+              <a:rPr lang="en-SG" sz="4000" dirty="0">
                 <a:solidFill>
                   <a:schemeClr val="tx1"/>
                 </a:solidFill>
               </a:rPr>
-              <a:t>Unix &amp; Clang</a:t>
-            </a:r>
-          </a:p>
-          <a:p>
-            <a:pPr lvl="1"/>
-            <a:r>
-              <a:rPr lang="en-SG" dirty="0">
-                <a:solidFill>
-                  <a:schemeClr val="tx1"/>
-                </a:solidFill>
-              </a:rPr>
-              <a:t>Recap on C</a:t>
-            </a:r>
-          </a:p>
-          <a:p>
-            <a:pPr lvl="1"/>
-            <a:r>
-              <a:rPr lang="en-SG" b="1" dirty="0">
-                <a:solidFill>
-                  <a:srgbClr val="00B050"/>
-                </a:solidFill>
-              </a:rPr>
-              <a:t>Discussion of problem sets</a:t>
-            </a:r>
-          </a:p>
-          <a:p>
-            <a:r>
-              <a:rPr lang="en-SG" dirty="0"/>
-              <a:t>Lab Segment</a:t>
-            </a:r>
-          </a:p>
-          <a:p>
-            <a:pPr lvl="1"/>
-            <a:r>
-              <a:rPr lang="en-SG" dirty="0"/>
-              <a:t>Programming Assignment (PA0)</a:t>
-            </a:r>
-          </a:p>
-          <a:p>
-            <a:endParaRPr lang="en-SG" dirty="0"/>
+              <a:t>3.2, 5.1, 5.2</a:t>
+            </a:r>
           </a:p>
         </p:txBody>
       </p:sp>
     </p:spTree>
     <p:extLst>
       <p:ext uri="{BB962C8B-B14F-4D97-AF65-F5344CB8AC3E}">
-        <p14:creationId xmlns:p14="http://schemas.microsoft.com/office/powerpoint/2010/main" val="417511075"/>
+        <p14:creationId xmlns:p14="http://schemas.microsoft.com/office/powerpoint/2010/main" val="3762408587"/>
       </p:ext>
     </p:extLst>
   </p:cSld>
